--- a/3d models/ppt/__Defrost.pptx
+++ b/3d models/ppt/__Defrost.pptx
@@ -5,10 +5,17 @@
     <p:sldMasterId id="2147483660" r:id="rId1"/>
   </p:sldMasterIdLst>
   <p:notesMasterIdLst>
-    <p:notesMasterId r:id="rId3"/>
+    <p:notesMasterId r:id="rId10"/>
   </p:notesMasterIdLst>
   <p:sldIdLst>
     <p:sldId id="256" r:id="rId2"/>
+    <p:sldId id="257" r:id="rId3"/>
+    <p:sldId id="258" r:id="rId4"/>
+    <p:sldId id="259" r:id="rId5"/>
+    <p:sldId id="261" r:id="rId6"/>
+    <p:sldId id="262" r:id="rId7"/>
+    <p:sldId id="263" r:id="rId8"/>
+    <p:sldId id="264" r:id="rId9"/>
   </p:sldIdLst>
   <p:sldSz cx="1800225" cy="1800225"/>
   <p:notesSz cx="6858000" cy="9144000"/>
@@ -3328,7 +3335,7 @@
       </p:grpSpPr>
       <p:pic>
         <p:nvPicPr>
-          <p:cNvPr id="8" name="Picture 7">
+          <p:cNvPr id="8" name="gray">
             <a:extLst>
               <a:ext uri="{FF2B5EF4-FFF2-40B4-BE49-F238E27FC236}">
                 <a16:creationId xmlns:a16="http://schemas.microsoft.com/office/drawing/2014/main" id="{EE81728F-1F7A-FD5A-5125-06A6C3CEFDAF}"/>
@@ -3348,13 +3355,13 @@
               </a:ext>
             </a:extLst>
           </a:blip>
-          <a:srcRect l="526" r="526"/>
+          <a:srcRect l="4110" r="4110"/>
           <a:stretch/>
         </p:blipFill>
         <p:spPr>
           <a:xfrm>
             <a:off x="85787" y="71199"/>
-            <a:ext cx="179070" cy="352425"/>
+            <a:ext cx="178753" cy="352425"/>
           </a:xfrm>
           <a:prstGeom prst="rect">
             <a:avLst/>
@@ -3500,6 +3507,2540 @@
     <p:extLst>
       <p:ext uri="{BB962C8B-B14F-4D97-AF65-F5344CB8AC3E}">
         <p14:creationId xmlns:p14="http://schemas.microsoft.com/office/powerpoint/2010/main" val="3933469956"/>
+      </p:ext>
+    </p:extLst>
+  </p:cSld>
+  <p:clrMapOvr>
+    <a:masterClrMapping/>
+  </p:clrMapOvr>
+  <p:timing>
+    <p:tnLst>
+      <p:par>
+        <p:cTn id="1" dur="indefinite" restart="never" nodeType="tmRoot">
+          <p:childTnLst>
+            <p:seq concurrent="1" nextAc="seek">
+              <p:cTn id="2" dur="indefinite" nodeType="mainSeq">
+                <p:childTnLst>
+                  <p:par>
+                    <p:cTn id="3" fill="hold">
+                      <p:stCondLst>
+                        <p:cond delay="indefinite"/>
+                        <p:cond evt="onBegin" delay="0">
+                          <p:tn val="2"/>
+                        </p:cond>
+                      </p:stCondLst>
+                      <p:childTnLst>
+                        <p:par>
+                          <p:cTn id="4" fill="hold">
+                            <p:stCondLst>
+                              <p:cond delay="0"/>
+                            </p:stCondLst>
+                            <p:childTnLst>
+                              <p:par>
+                                <p:cTn id="5" presetID="6" presetClass="exit" presetSubtype="32" fill="hold" nodeType="withEffect">
+                                  <p:stCondLst>
+                                    <p:cond delay="0"/>
+                                  </p:stCondLst>
+                                  <p:childTnLst>
+                                    <p:animEffect transition="out" filter="circle(out)">
+                                      <p:cBhvr>
+                                        <p:cTn id="6" dur="2000"/>
+                                        <p:tgtEl>
+                                          <p:spTgt spid="12"/>
+                                        </p:tgtEl>
+                                      </p:cBhvr>
+                                    </p:animEffect>
+                                    <p:set>
+                                      <p:cBhvr>
+                                        <p:cTn id="7" dur="1" fill="hold">
+                                          <p:stCondLst>
+                                            <p:cond delay="1999"/>
+                                          </p:stCondLst>
+                                        </p:cTn>
+                                        <p:tgtEl>
+                                          <p:spTgt spid="12"/>
+                                        </p:tgtEl>
+                                        <p:attrNameLst>
+                                          <p:attrName>style.visibility</p:attrName>
+                                        </p:attrNameLst>
+                                      </p:cBhvr>
+                                      <p:to>
+                                        <p:strVal val="hidden"/>
+                                      </p:to>
+                                    </p:set>
+                                  </p:childTnLst>
+                                </p:cTn>
+                              </p:par>
+                              <p:par>
+                                <p:cTn id="8" presetID="6" presetClass="exit" presetSubtype="32" fill="hold" nodeType="withEffect">
+                                  <p:stCondLst>
+                                    <p:cond delay="0"/>
+                                  </p:stCondLst>
+                                  <p:childTnLst>
+                                    <p:animEffect transition="out" filter="circle(out)">
+                                      <p:cBhvr>
+                                        <p:cTn id="9" dur="2000"/>
+                                        <p:tgtEl>
+                                          <p:spTgt spid="16"/>
+                                        </p:tgtEl>
+                                      </p:cBhvr>
+                                    </p:animEffect>
+                                    <p:set>
+                                      <p:cBhvr>
+                                        <p:cTn id="10" dur="1" fill="hold">
+                                          <p:stCondLst>
+                                            <p:cond delay="1999"/>
+                                          </p:stCondLst>
+                                        </p:cTn>
+                                        <p:tgtEl>
+                                          <p:spTgt spid="16"/>
+                                        </p:tgtEl>
+                                        <p:attrNameLst>
+                                          <p:attrName>style.visibility</p:attrName>
+                                        </p:attrNameLst>
+                                      </p:cBhvr>
+                                      <p:to>
+                                        <p:strVal val="hidden"/>
+                                      </p:to>
+                                    </p:set>
+                                  </p:childTnLst>
+                                </p:cTn>
+                              </p:par>
+                              <p:par>
+                                <p:cTn id="11" presetID="6" presetClass="exit" presetSubtype="32" fill="hold" nodeType="withEffect">
+                                  <p:stCondLst>
+                                    <p:cond delay="0"/>
+                                  </p:stCondLst>
+                                  <p:childTnLst>
+                                    <p:animEffect transition="out" filter="circle(out)">
+                                      <p:cBhvr>
+                                        <p:cTn id="12" dur="2000"/>
+                                        <p:tgtEl>
+                                          <p:spTgt spid="17"/>
+                                        </p:tgtEl>
+                                      </p:cBhvr>
+                                    </p:animEffect>
+                                    <p:set>
+                                      <p:cBhvr>
+                                        <p:cTn id="13" dur="1" fill="hold">
+                                          <p:stCondLst>
+                                            <p:cond delay="1999"/>
+                                          </p:stCondLst>
+                                        </p:cTn>
+                                        <p:tgtEl>
+                                          <p:spTgt spid="17"/>
+                                        </p:tgtEl>
+                                        <p:attrNameLst>
+                                          <p:attrName>style.visibility</p:attrName>
+                                        </p:attrNameLst>
+                                      </p:cBhvr>
+                                      <p:to>
+                                        <p:strVal val="hidden"/>
+                                      </p:to>
+                                    </p:set>
+                                  </p:childTnLst>
+                                </p:cTn>
+                              </p:par>
+                            </p:childTnLst>
+                          </p:cTn>
+                        </p:par>
+                      </p:childTnLst>
+                    </p:cTn>
+                  </p:par>
+                </p:childTnLst>
+              </p:cTn>
+              <p:prevCondLst>
+                <p:cond evt="onPrev" delay="0">
+                  <p:tgtEl>
+                    <p:sldTgt/>
+                  </p:tgtEl>
+                </p:cond>
+              </p:prevCondLst>
+              <p:nextCondLst>
+                <p:cond evt="onNext" delay="0">
+                  <p:tgtEl>
+                    <p:sldTgt/>
+                  </p:tgtEl>
+                </p:cond>
+              </p:nextCondLst>
+            </p:seq>
+          </p:childTnLst>
+        </p:cTn>
+      </p:par>
+    </p:tnLst>
+  </p:timing>
+</p:sld>
+</file>
+
+<file path=ppt/slides/slide2.xml><?xml version="1.0" encoding="utf-8"?>
+<p:sld xmlns:a="http://schemas.openxmlformats.org/drawingml/2006/main" xmlns:r="http://schemas.openxmlformats.org/officeDocument/2006/relationships" xmlns:p="http://schemas.openxmlformats.org/presentationml/2006/main">
+  <p:cSld>
+    <p:spTree>
+      <p:nvGrpSpPr>
+        <p:cNvPr id="1" name="">
+          <a:extLst>
+            <a:ext uri="{FF2B5EF4-FFF2-40B4-BE49-F238E27FC236}">
+              <a16:creationId xmlns:a16="http://schemas.microsoft.com/office/drawing/2014/main" id="{582F5282-9843-8318-2DA5-DB95040198F1}"/>
+            </a:ext>
+          </a:extLst>
+        </p:cNvPr>
+        <p:cNvGrpSpPr/>
+        <p:nvPr/>
+      </p:nvGrpSpPr>
+      <p:grpSpPr>
+        <a:xfrm>
+          <a:off x="0" y="0"/>
+          <a:ext cx="0" cy="0"/>
+          <a:chOff x="0" y="0"/>
+          <a:chExt cx="0" cy="0"/>
+        </a:xfrm>
+      </p:grpSpPr>
+      <p:pic>
+        <p:nvPicPr>
+          <p:cNvPr id="8" name="green">
+            <a:extLst>
+              <a:ext uri="{FF2B5EF4-FFF2-40B4-BE49-F238E27FC236}">
+                <a16:creationId xmlns:a16="http://schemas.microsoft.com/office/drawing/2014/main" id="{625368E1-98B8-B14B-2E24-E0B2CB095D36}"/>
+              </a:ext>
+            </a:extLst>
+          </p:cNvPr>
+          <p:cNvPicPr>
+            <a:picLocks noChangeAspect="1"/>
+          </p:cNvPicPr>
+          <p:nvPr/>
+        </p:nvPicPr>
+        <p:blipFill>
+          <a:blip r:embed="rId2">
+            <a:extLst>
+              <a:ext uri="{28A0092B-C50C-407E-A947-70E740481C1C}">
+                <a14:useLocalDpi xmlns:a14="http://schemas.microsoft.com/office/drawing/2010/main" val="0"/>
+              </a:ext>
+            </a:extLst>
+          </a:blip>
+          <a:srcRect l="4110" r="4110"/>
+          <a:stretch/>
+        </p:blipFill>
+        <p:spPr>
+          <a:xfrm>
+            <a:off x="85787" y="71199"/>
+            <a:ext cx="178753" cy="352425"/>
+          </a:xfrm>
+          <a:prstGeom prst="rect">
+            <a:avLst/>
+          </a:prstGeom>
+        </p:spPr>
+      </p:pic>
+      <p:pic>
+        <p:nvPicPr>
+          <p:cNvPr id="12" name="2sec" descr="A clear plastic bag with a blue sky in the background&#10;&#10;Description automatically generated">
+            <a:extLst>
+              <a:ext uri="{FF2B5EF4-FFF2-40B4-BE49-F238E27FC236}">
+                <a16:creationId xmlns:a16="http://schemas.microsoft.com/office/drawing/2014/main" id="{6CE4DB3D-B9A0-B97C-79A2-B7842C6A62A7}"/>
+              </a:ext>
+            </a:extLst>
+          </p:cNvPr>
+          <p:cNvPicPr>
+            <a:picLocks noChangeAspect="1"/>
+          </p:cNvPicPr>
+          <p:nvPr/>
+        </p:nvPicPr>
+        <p:blipFill>
+          <a:blip r:embed="rId3">
+            <a:alphaModFix amt="50000"/>
+            <a:extLst>
+              <a:ext uri="{BEBA8EAE-BF5A-486C-A8C5-ECC9F3942E4B}">
+                <a14:imgProps xmlns:a14="http://schemas.microsoft.com/office/drawing/2010/main">
+                  <a14:imgLayer r:embed="rId4">
+                    <a14:imgEffect>
+                      <a14:artisticMarker/>
+                    </a14:imgEffect>
+                  </a14:imgLayer>
+                </a14:imgProps>
+              </a:ext>
+              <a:ext uri="{28A0092B-C50C-407E-A947-70E740481C1C}">
+                <a14:useLocalDpi xmlns:a14="http://schemas.microsoft.com/office/drawing/2010/main" val="0"/>
+              </a:ext>
+            </a:extLst>
+          </a:blip>
+          <a:srcRect l="14673" r="17253" b="6512"/>
+          <a:stretch/>
+        </p:blipFill>
+        <p:spPr>
+          <a:xfrm>
+            <a:off x="0" y="0"/>
+            <a:ext cx="370116" cy="421956"/>
+          </a:xfrm>
+          <a:prstGeom prst="rect">
+            <a:avLst/>
+          </a:prstGeom>
+        </p:spPr>
+      </p:pic>
+      <p:pic>
+        <p:nvPicPr>
+          <p:cNvPr id="16" name="2sec" descr="A clear plastic bag with a blue sky in the background&#10;&#10;Description automatically generated">
+            <a:extLst>
+              <a:ext uri="{FF2B5EF4-FFF2-40B4-BE49-F238E27FC236}">
+                <a16:creationId xmlns:a16="http://schemas.microsoft.com/office/drawing/2014/main" id="{E141C7DD-C592-0601-F4D3-1FE22397766B}"/>
+              </a:ext>
+            </a:extLst>
+          </p:cNvPr>
+          <p:cNvPicPr>
+            <a:picLocks noChangeAspect="1"/>
+          </p:cNvPicPr>
+          <p:nvPr/>
+        </p:nvPicPr>
+        <p:blipFill>
+          <a:blip r:embed="rId3">
+            <a:alphaModFix amt="70000"/>
+            <a:extLst>
+              <a:ext uri="{BEBA8EAE-BF5A-486C-A8C5-ECC9F3942E4B}">
+                <a14:imgProps xmlns:a14="http://schemas.microsoft.com/office/drawing/2010/main">
+                  <a14:imgLayer r:embed="rId4">
+                    <a14:imgEffect>
+                      <a14:artisticMarker/>
+                    </a14:imgEffect>
+                  </a14:imgLayer>
+                </a14:imgProps>
+              </a:ext>
+              <a:ext uri="{28A0092B-C50C-407E-A947-70E740481C1C}">
+                <a14:useLocalDpi xmlns:a14="http://schemas.microsoft.com/office/drawing/2010/main" val="0"/>
+              </a:ext>
+            </a:extLst>
+          </a:blip>
+          <a:srcRect l="14673" r="17253" b="6512"/>
+          <a:stretch/>
+        </p:blipFill>
+        <p:spPr>
+          <a:xfrm flipH="1">
+            <a:off x="233201" y="173039"/>
+            <a:ext cx="136913" cy="252927"/>
+          </a:xfrm>
+          <a:prstGeom prst="rect">
+            <a:avLst/>
+          </a:prstGeom>
+        </p:spPr>
+      </p:pic>
+      <p:pic>
+        <p:nvPicPr>
+          <p:cNvPr id="17" name="2sec" descr="A clear plastic bag with a blue sky in the background&#10;&#10;Description automatically generated">
+            <a:extLst>
+              <a:ext uri="{FF2B5EF4-FFF2-40B4-BE49-F238E27FC236}">
+                <a16:creationId xmlns:a16="http://schemas.microsoft.com/office/drawing/2014/main" id="{3A3C04CE-CDAA-C34A-FD87-D6086E7AC8BF}"/>
+              </a:ext>
+            </a:extLst>
+          </p:cNvPr>
+          <p:cNvPicPr>
+            <a:picLocks noChangeAspect="1"/>
+          </p:cNvPicPr>
+          <p:nvPr/>
+        </p:nvPicPr>
+        <p:blipFill>
+          <a:blip r:embed="rId3">
+            <a:alphaModFix amt="70000"/>
+            <a:extLst>
+              <a:ext uri="{BEBA8EAE-BF5A-486C-A8C5-ECC9F3942E4B}">
+                <a14:imgProps xmlns:a14="http://schemas.microsoft.com/office/drawing/2010/main">
+                  <a14:imgLayer r:embed="rId4">
+                    <a14:imgEffect>
+                      <a14:artisticMarker/>
+                    </a14:imgEffect>
+                  </a14:imgLayer>
+                </a14:imgProps>
+              </a:ext>
+              <a:ext uri="{28A0092B-C50C-407E-A947-70E740481C1C}">
+                <a14:useLocalDpi xmlns:a14="http://schemas.microsoft.com/office/drawing/2010/main" val="0"/>
+              </a:ext>
+            </a:extLst>
+          </a:blip>
+          <a:srcRect l="14673" r="17253" b="6512"/>
+          <a:stretch/>
+        </p:blipFill>
+        <p:spPr>
+          <a:xfrm>
+            <a:off x="0" y="173039"/>
+            <a:ext cx="136913" cy="252927"/>
+          </a:xfrm>
+          <a:prstGeom prst="rect">
+            <a:avLst/>
+          </a:prstGeom>
+        </p:spPr>
+      </p:pic>
+    </p:spTree>
+    <p:extLst>
+      <p:ext uri="{BB962C8B-B14F-4D97-AF65-F5344CB8AC3E}">
+        <p14:creationId xmlns:p14="http://schemas.microsoft.com/office/powerpoint/2010/main" val="2412687511"/>
+      </p:ext>
+    </p:extLst>
+  </p:cSld>
+  <p:clrMapOvr>
+    <a:masterClrMapping/>
+  </p:clrMapOvr>
+  <p:timing>
+    <p:tnLst>
+      <p:par>
+        <p:cTn id="1" dur="indefinite" restart="never" nodeType="tmRoot">
+          <p:childTnLst>
+            <p:seq concurrent="1" nextAc="seek">
+              <p:cTn id="2" dur="indefinite" nodeType="mainSeq">
+                <p:childTnLst>
+                  <p:par>
+                    <p:cTn id="3" fill="hold">
+                      <p:stCondLst>
+                        <p:cond delay="indefinite"/>
+                        <p:cond evt="onBegin" delay="0">
+                          <p:tn val="2"/>
+                        </p:cond>
+                      </p:stCondLst>
+                      <p:childTnLst>
+                        <p:par>
+                          <p:cTn id="4" fill="hold">
+                            <p:stCondLst>
+                              <p:cond delay="0"/>
+                            </p:stCondLst>
+                            <p:childTnLst>
+                              <p:par>
+                                <p:cTn id="5" presetID="6" presetClass="exit" presetSubtype="32" fill="hold" nodeType="withEffect">
+                                  <p:stCondLst>
+                                    <p:cond delay="0"/>
+                                  </p:stCondLst>
+                                  <p:childTnLst>
+                                    <p:animEffect transition="out" filter="circle(out)">
+                                      <p:cBhvr>
+                                        <p:cTn id="6" dur="2000"/>
+                                        <p:tgtEl>
+                                          <p:spTgt spid="12"/>
+                                        </p:tgtEl>
+                                      </p:cBhvr>
+                                    </p:animEffect>
+                                    <p:set>
+                                      <p:cBhvr>
+                                        <p:cTn id="7" dur="1" fill="hold">
+                                          <p:stCondLst>
+                                            <p:cond delay="1999"/>
+                                          </p:stCondLst>
+                                        </p:cTn>
+                                        <p:tgtEl>
+                                          <p:spTgt spid="12"/>
+                                        </p:tgtEl>
+                                        <p:attrNameLst>
+                                          <p:attrName>style.visibility</p:attrName>
+                                        </p:attrNameLst>
+                                      </p:cBhvr>
+                                      <p:to>
+                                        <p:strVal val="hidden"/>
+                                      </p:to>
+                                    </p:set>
+                                  </p:childTnLst>
+                                </p:cTn>
+                              </p:par>
+                              <p:par>
+                                <p:cTn id="8" presetID="6" presetClass="exit" presetSubtype="32" fill="hold" nodeType="withEffect">
+                                  <p:stCondLst>
+                                    <p:cond delay="0"/>
+                                  </p:stCondLst>
+                                  <p:childTnLst>
+                                    <p:animEffect transition="out" filter="circle(out)">
+                                      <p:cBhvr>
+                                        <p:cTn id="9" dur="2000"/>
+                                        <p:tgtEl>
+                                          <p:spTgt spid="16"/>
+                                        </p:tgtEl>
+                                      </p:cBhvr>
+                                    </p:animEffect>
+                                    <p:set>
+                                      <p:cBhvr>
+                                        <p:cTn id="10" dur="1" fill="hold">
+                                          <p:stCondLst>
+                                            <p:cond delay="1999"/>
+                                          </p:stCondLst>
+                                        </p:cTn>
+                                        <p:tgtEl>
+                                          <p:spTgt spid="16"/>
+                                        </p:tgtEl>
+                                        <p:attrNameLst>
+                                          <p:attrName>style.visibility</p:attrName>
+                                        </p:attrNameLst>
+                                      </p:cBhvr>
+                                      <p:to>
+                                        <p:strVal val="hidden"/>
+                                      </p:to>
+                                    </p:set>
+                                  </p:childTnLst>
+                                </p:cTn>
+                              </p:par>
+                              <p:par>
+                                <p:cTn id="11" presetID="6" presetClass="exit" presetSubtype="32" fill="hold" nodeType="withEffect">
+                                  <p:stCondLst>
+                                    <p:cond delay="0"/>
+                                  </p:stCondLst>
+                                  <p:childTnLst>
+                                    <p:animEffect transition="out" filter="circle(out)">
+                                      <p:cBhvr>
+                                        <p:cTn id="12" dur="2000"/>
+                                        <p:tgtEl>
+                                          <p:spTgt spid="17"/>
+                                        </p:tgtEl>
+                                      </p:cBhvr>
+                                    </p:animEffect>
+                                    <p:set>
+                                      <p:cBhvr>
+                                        <p:cTn id="13" dur="1" fill="hold">
+                                          <p:stCondLst>
+                                            <p:cond delay="1999"/>
+                                          </p:stCondLst>
+                                        </p:cTn>
+                                        <p:tgtEl>
+                                          <p:spTgt spid="17"/>
+                                        </p:tgtEl>
+                                        <p:attrNameLst>
+                                          <p:attrName>style.visibility</p:attrName>
+                                        </p:attrNameLst>
+                                      </p:cBhvr>
+                                      <p:to>
+                                        <p:strVal val="hidden"/>
+                                      </p:to>
+                                    </p:set>
+                                  </p:childTnLst>
+                                </p:cTn>
+                              </p:par>
+                            </p:childTnLst>
+                          </p:cTn>
+                        </p:par>
+                      </p:childTnLst>
+                    </p:cTn>
+                  </p:par>
+                </p:childTnLst>
+              </p:cTn>
+              <p:prevCondLst>
+                <p:cond evt="onPrev" delay="0">
+                  <p:tgtEl>
+                    <p:sldTgt/>
+                  </p:tgtEl>
+                </p:cond>
+              </p:prevCondLst>
+              <p:nextCondLst>
+                <p:cond evt="onNext" delay="0">
+                  <p:tgtEl>
+                    <p:sldTgt/>
+                  </p:tgtEl>
+                </p:cond>
+              </p:nextCondLst>
+            </p:seq>
+          </p:childTnLst>
+        </p:cTn>
+      </p:par>
+    </p:tnLst>
+  </p:timing>
+</p:sld>
+</file>
+
+<file path=ppt/slides/slide3.xml><?xml version="1.0" encoding="utf-8"?>
+<p:sld xmlns:a="http://schemas.openxmlformats.org/drawingml/2006/main" xmlns:r="http://schemas.openxmlformats.org/officeDocument/2006/relationships" xmlns:p="http://schemas.openxmlformats.org/presentationml/2006/main">
+  <p:cSld>
+    <p:spTree>
+      <p:nvGrpSpPr>
+        <p:cNvPr id="1" name="">
+          <a:extLst>
+            <a:ext uri="{FF2B5EF4-FFF2-40B4-BE49-F238E27FC236}">
+              <a16:creationId xmlns:a16="http://schemas.microsoft.com/office/drawing/2014/main" id="{3096A55E-6357-9218-BB9D-383B94D0AC20}"/>
+            </a:ext>
+          </a:extLst>
+        </p:cNvPr>
+        <p:cNvGrpSpPr/>
+        <p:nvPr/>
+      </p:nvGrpSpPr>
+      <p:grpSpPr>
+        <a:xfrm>
+          <a:off x="0" y="0"/>
+          <a:ext cx="0" cy="0"/>
+          <a:chOff x="0" y="0"/>
+          <a:chExt cx="0" cy="0"/>
+        </a:xfrm>
+      </p:grpSpPr>
+      <p:pic>
+        <p:nvPicPr>
+          <p:cNvPr id="8" name="orange">
+            <a:extLst>
+              <a:ext uri="{FF2B5EF4-FFF2-40B4-BE49-F238E27FC236}">
+                <a16:creationId xmlns:a16="http://schemas.microsoft.com/office/drawing/2014/main" id="{BCFB2AFE-907D-1FD5-A9D3-003ED5C1ACC7}"/>
+              </a:ext>
+            </a:extLst>
+          </p:cNvPr>
+          <p:cNvPicPr>
+            <a:picLocks noChangeAspect="1"/>
+          </p:cNvPicPr>
+          <p:nvPr/>
+        </p:nvPicPr>
+        <p:blipFill>
+          <a:blip r:embed="rId2">
+            <a:extLst>
+              <a:ext uri="{28A0092B-C50C-407E-A947-70E740481C1C}">
+                <a14:useLocalDpi xmlns:a14="http://schemas.microsoft.com/office/drawing/2010/main" val="0"/>
+              </a:ext>
+            </a:extLst>
+          </a:blip>
+          <a:srcRect l="4110" r="4110"/>
+          <a:stretch/>
+        </p:blipFill>
+        <p:spPr>
+          <a:xfrm>
+            <a:off x="85787" y="71199"/>
+            <a:ext cx="178753" cy="352425"/>
+          </a:xfrm>
+          <a:prstGeom prst="rect">
+            <a:avLst/>
+          </a:prstGeom>
+        </p:spPr>
+      </p:pic>
+      <p:pic>
+        <p:nvPicPr>
+          <p:cNvPr id="12" name="2sec" descr="A clear plastic bag with a blue sky in the background&#10;&#10;Description automatically generated">
+            <a:extLst>
+              <a:ext uri="{FF2B5EF4-FFF2-40B4-BE49-F238E27FC236}">
+                <a16:creationId xmlns:a16="http://schemas.microsoft.com/office/drawing/2014/main" id="{2AF1C0A0-347F-9D10-B63F-4BD8BD8F1686}"/>
+              </a:ext>
+            </a:extLst>
+          </p:cNvPr>
+          <p:cNvPicPr>
+            <a:picLocks noChangeAspect="1"/>
+          </p:cNvPicPr>
+          <p:nvPr/>
+        </p:nvPicPr>
+        <p:blipFill>
+          <a:blip r:embed="rId3">
+            <a:alphaModFix amt="50000"/>
+            <a:extLst>
+              <a:ext uri="{BEBA8EAE-BF5A-486C-A8C5-ECC9F3942E4B}">
+                <a14:imgProps xmlns:a14="http://schemas.microsoft.com/office/drawing/2010/main">
+                  <a14:imgLayer r:embed="rId4">
+                    <a14:imgEffect>
+                      <a14:artisticMarker/>
+                    </a14:imgEffect>
+                  </a14:imgLayer>
+                </a14:imgProps>
+              </a:ext>
+              <a:ext uri="{28A0092B-C50C-407E-A947-70E740481C1C}">
+                <a14:useLocalDpi xmlns:a14="http://schemas.microsoft.com/office/drawing/2010/main" val="0"/>
+              </a:ext>
+            </a:extLst>
+          </a:blip>
+          <a:srcRect l="14673" r="17253" b="6512"/>
+          <a:stretch/>
+        </p:blipFill>
+        <p:spPr>
+          <a:xfrm>
+            <a:off x="0" y="0"/>
+            <a:ext cx="370116" cy="421956"/>
+          </a:xfrm>
+          <a:prstGeom prst="rect">
+            <a:avLst/>
+          </a:prstGeom>
+        </p:spPr>
+      </p:pic>
+      <p:pic>
+        <p:nvPicPr>
+          <p:cNvPr id="16" name="2sec" descr="A clear plastic bag with a blue sky in the background&#10;&#10;Description automatically generated">
+            <a:extLst>
+              <a:ext uri="{FF2B5EF4-FFF2-40B4-BE49-F238E27FC236}">
+                <a16:creationId xmlns:a16="http://schemas.microsoft.com/office/drawing/2014/main" id="{9084FDBD-6A67-EA07-0FF5-52FF8B8B9F8F}"/>
+              </a:ext>
+            </a:extLst>
+          </p:cNvPr>
+          <p:cNvPicPr>
+            <a:picLocks noChangeAspect="1"/>
+          </p:cNvPicPr>
+          <p:nvPr/>
+        </p:nvPicPr>
+        <p:blipFill>
+          <a:blip r:embed="rId3">
+            <a:alphaModFix amt="70000"/>
+            <a:extLst>
+              <a:ext uri="{BEBA8EAE-BF5A-486C-A8C5-ECC9F3942E4B}">
+                <a14:imgProps xmlns:a14="http://schemas.microsoft.com/office/drawing/2010/main">
+                  <a14:imgLayer r:embed="rId4">
+                    <a14:imgEffect>
+                      <a14:artisticMarker/>
+                    </a14:imgEffect>
+                  </a14:imgLayer>
+                </a14:imgProps>
+              </a:ext>
+              <a:ext uri="{28A0092B-C50C-407E-A947-70E740481C1C}">
+                <a14:useLocalDpi xmlns:a14="http://schemas.microsoft.com/office/drawing/2010/main" val="0"/>
+              </a:ext>
+            </a:extLst>
+          </a:blip>
+          <a:srcRect l="14673" r="17253" b="6512"/>
+          <a:stretch/>
+        </p:blipFill>
+        <p:spPr>
+          <a:xfrm flipH="1">
+            <a:off x="233201" y="173039"/>
+            <a:ext cx="136913" cy="252927"/>
+          </a:xfrm>
+          <a:prstGeom prst="rect">
+            <a:avLst/>
+          </a:prstGeom>
+        </p:spPr>
+      </p:pic>
+      <p:pic>
+        <p:nvPicPr>
+          <p:cNvPr id="17" name="2sec" descr="A clear plastic bag with a blue sky in the background&#10;&#10;Description automatically generated">
+            <a:extLst>
+              <a:ext uri="{FF2B5EF4-FFF2-40B4-BE49-F238E27FC236}">
+                <a16:creationId xmlns:a16="http://schemas.microsoft.com/office/drawing/2014/main" id="{3B6DEE3B-B13E-E6EB-5C19-0E0233BE372F}"/>
+              </a:ext>
+            </a:extLst>
+          </p:cNvPr>
+          <p:cNvPicPr>
+            <a:picLocks noChangeAspect="1"/>
+          </p:cNvPicPr>
+          <p:nvPr/>
+        </p:nvPicPr>
+        <p:blipFill>
+          <a:blip r:embed="rId3">
+            <a:alphaModFix amt="70000"/>
+            <a:extLst>
+              <a:ext uri="{BEBA8EAE-BF5A-486C-A8C5-ECC9F3942E4B}">
+                <a14:imgProps xmlns:a14="http://schemas.microsoft.com/office/drawing/2010/main">
+                  <a14:imgLayer r:embed="rId4">
+                    <a14:imgEffect>
+                      <a14:artisticMarker/>
+                    </a14:imgEffect>
+                  </a14:imgLayer>
+                </a14:imgProps>
+              </a:ext>
+              <a:ext uri="{28A0092B-C50C-407E-A947-70E740481C1C}">
+                <a14:useLocalDpi xmlns:a14="http://schemas.microsoft.com/office/drawing/2010/main" val="0"/>
+              </a:ext>
+            </a:extLst>
+          </a:blip>
+          <a:srcRect l="14673" r="17253" b="6512"/>
+          <a:stretch/>
+        </p:blipFill>
+        <p:spPr>
+          <a:xfrm>
+            <a:off x="0" y="173039"/>
+            <a:ext cx="136913" cy="252927"/>
+          </a:xfrm>
+          <a:prstGeom prst="rect">
+            <a:avLst/>
+          </a:prstGeom>
+        </p:spPr>
+      </p:pic>
+    </p:spTree>
+    <p:extLst>
+      <p:ext uri="{BB962C8B-B14F-4D97-AF65-F5344CB8AC3E}">
+        <p14:creationId xmlns:p14="http://schemas.microsoft.com/office/powerpoint/2010/main" val="1119402183"/>
+      </p:ext>
+    </p:extLst>
+  </p:cSld>
+  <p:clrMapOvr>
+    <a:masterClrMapping/>
+  </p:clrMapOvr>
+  <p:timing>
+    <p:tnLst>
+      <p:par>
+        <p:cTn id="1" dur="indefinite" restart="never" nodeType="tmRoot">
+          <p:childTnLst>
+            <p:seq concurrent="1" nextAc="seek">
+              <p:cTn id="2" dur="indefinite" nodeType="mainSeq">
+                <p:childTnLst>
+                  <p:par>
+                    <p:cTn id="3" fill="hold">
+                      <p:stCondLst>
+                        <p:cond delay="indefinite"/>
+                        <p:cond evt="onBegin" delay="0">
+                          <p:tn val="2"/>
+                        </p:cond>
+                      </p:stCondLst>
+                      <p:childTnLst>
+                        <p:par>
+                          <p:cTn id="4" fill="hold">
+                            <p:stCondLst>
+                              <p:cond delay="0"/>
+                            </p:stCondLst>
+                            <p:childTnLst>
+                              <p:par>
+                                <p:cTn id="5" presetID="6" presetClass="exit" presetSubtype="32" fill="hold" nodeType="withEffect">
+                                  <p:stCondLst>
+                                    <p:cond delay="0"/>
+                                  </p:stCondLst>
+                                  <p:childTnLst>
+                                    <p:animEffect transition="out" filter="circle(out)">
+                                      <p:cBhvr>
+                                        <p:cTn id="6" dur="2000"/>
+                                        <p:tgtEl>
+                                          <p:spTgt spid="12"/>
+                                        </p:tgtEl>
+                                      </p:cBhvr>
+                                    </p:animEffect>
+                                    <p:set>
+                                      <p:cBhvr>
+                                        <p:cTn id="7" dur="1" fill="hold">
+                                          <p:stCondLst>
+                                            <p:cond delay="1999"/>
+                                          </p:stCondLst>
+                                        </p:cTn>
+                                        <p:tgtEl>
+                                          <p:spTgt spid="12"/>
+                                        </p:tgtEl>
+                                        <p:attrNameLst>
+                                          <p:attrName>style.visibility</p:attrName>
+                                        </p:attrNameLst>
+                                      </p:cBhvr>
+                                      <p:to>
+                                        <p:strVal val="hidden"/>
+                                      </p:to>
+                                    </p:set>
+                                  </p:childTnLst>
+                                </p:cTn>
+                              </p:par>
+                              <p:par>
+                                <p:cTn id="8" presetID="6" presetClass="exit" presetSubtype="32" fill="hold" nodeType="withEffect">
+                                  <p:stCondLst>
+                                    <p:cond delay="0"/>
+                                  </p:stCondLst>
+                                  <p:childTnLst>
+                                    <p:animEffect transition="out" filter="circle(out)">
+                                      <p:cBhvr>
+                                        <p:cTn id="9" dur="2000"/>
+                                        <p:tgtEl>
+                                          <p:spTgt spid="16"/>
+                                        </p:tgtEl>
+                                      </p:cBhvr>
+                                    </p:animEffect>
+                                    <p:set>
+                                      <p:cBhvr>
+                                        <p:cTn id="10" dur="1" fill="hold">
+                                          <p:stCondLst>
+                                            <p:cond delay="1999"/>
+                                          </p:stCondLst>
+                                        </p:cTn>
+                                        <p:tgtEl>
+                                          <p:spTgt spid="16"/>
+                                        </p:tgtEl>
+                                        <p:attrNameLst>
+                                          <p:attrName>style.visibility</p:attrName>
+                                        </p:attrNameLst>
+                                      </p:cBhvr>
+                                      <p:to>
+                                        <p:strVal val="hidden"/>
+                                      </p:to>
+                                    </p:set>
+                                  </p:childTnLst>
+                                </p:cTn>
+                              </p:par>
+                              <p:par>
+                                <p:cTn id="11" presetID="6" presetClass="exit" presetSubtype="32" fill="hold" nodeType="withEffect">
+                                  <p:stCondLst>
+                                    <p:cond delay="0"/>
+                                  </p:stCondLst>
+                                  <p:childTnLst>
+                                    <p:animEffect transition="out" filter="circle(out)">
+                                      <p:cBhvr>
+                                        <p:cTn id="12" dur="2000"/>
+                                        <p:tgtEl>
+                                          <p:spTgt spid="17"/>
+                                        </p:tgtEl>
+                                      </p:cBhvr>
+                                    </p:animEffect>
+                                    <p:set>
+                                      <p:cBhvr>
+                                        <p:cTn id="13" dur="1" fill="hold">
+                                          <p:stCondLst>
+                                            <p:cond delay="1999"/>
+                                          </p:stCondLst>
+                                        </p:cTn>
+                                        <p:tgtEl>
+                                          <p:spTgt spid="17"/>
+                                        </p:tgtEl>
+                                        <p:attrNameLst>
+                                          <p:attrName>style.visibility</p:attrName>
+                                        </p:attrNameLst>
+                                      </p:cBhvr>
+                                      <p:to>
+                                        <p:strVal val="hidden"/>
+                                      </p:to>
+                                    </p:set>
+                                  </p:childTnLst>
+                                </p:cTn>
+                              </p:par>
+                            </p:childTnLst>
+                          </p:cTn>
+                        </p:par>
+                      </p:childTnLst>
+                    </p:cTn>
+                  </p:par>
+                </p:childTnLst>
+              </p:cTn>
+              <p:prevCondLst>
+                <p:cond evt="onPrev" delay="0">
+                  <p:tgtEl>
+                    <p:sldTgt/>
+                  </p:tgtEl>
+                </p:cond>
+              </p:prevCondLst>
+              <p:nextCondLst>
+                <p:cond evt="onNext" delay="0">
+                  <p:tgtEl>
+                    <p:sldTgt/>
+                  </p:tgtEl>
+                </p:cond>
+              </p:nextCondLst>
+            </p:seq>
+          </p:childTnLst>
+        </p:cTn>
+      </p:par>
+    </p:tnLst>
+  </p:timing>
+</p:sld>
+</file>
+
+<file path=ppt/slides/slide4.xml><?xml version="1.0" encoding="utf-8"?>
+<p:sld xmlns:a="http://schemas.openxmlformats.org/drawingml/2006/main" xmlns:r="http://schemas.openxmlformats.org/officeDocument/2006/relationships" xmlns:p="http://schemas.openxmlformats.org/presentationml/2006/main">
+  <p:cSld>
+    <p:spTree>
+      <p:nvGrpSpPr>
+        <p:cNvPr id="1" name="">
+          <a:extLst>
+            <a:ext uri="{FF2B5EF4-FFF2-40B4-BE49-F238E27FC236}">
+              <a16:creationId xmlns:a16="http://schemas.microsoft.com/office/drawing/2014/main" id="{E360DD0E-DD42-0D47-E686-FE89179D920E}"/>
+            </a:ext>
+          </a:extLst>
+        </p:cNvPr>
+        <p:cNvGrpSpPr/>
+        <p:nvPr/>
+      </p:nvGrpSpPr>
+      <p:grpSpPr>
+        <a:xfrm>
+          <a:off x="0" y="0"/>
+          <a:ext cx="0" cy="0"/>
+          <a:chOff x="0" y="0"/>
+          <a:chExt cx="0" cy="0"/>
+        </a:xfrm>
+      </p:grpSpPr>
+      <p:pic>
+        <p:nvPicPr>
+          <p:cNvPr id="8" name="pink">
+            <a:extLst>
+              <a:ext uri="{FF2B5EF4-FFF2-40B4-BE49-F238E27FC236}">
+                <a16:creationId xmlns:a16="http://schemas.microsoft.com/office/drawing/2014/main" id="{55700DC2-39D4-1DF4-C593-84CE599ED15B}"/>
+              </a:ext>
+            </a:extLst>
+          </p:cNvPr>
+          <p:cNvPicPr>
+            <a:picLocks noChangeAspect="1"/>
+          </p:cNvPicPr>
+          <p:nvPr/>
+        </p:nvPicPr>
+        <p:blipFill>
+          <a:blip r:embed="rId2">
+            <a:extLst>
+              <a:ext uri="{28A0092B-C50C-407E-A947-70E740481C1C}">
+                <a14:useLocalDpi xmlns:a14="http://schemas.microsoft.com/office/drawing/2010/main" val="0"/>
+              </a:ext>
+            </a:extLst>
+          </a:blip>
+          <a:srcRect l="4110" r="4110"/>
+          <a:stretch/>
+        </p:blipFill>
+        <p:spPr>
+          <a:xfrm>
+            <a:off x="85787" y="71199"/>
+            <a:ext cx="178753" cy="352425"/>
+          </a:xfrm>
+          <a:prstGeom prst="rect">
+            <a:avLst/>
+          </a:prstGeom>
+        </p:spPr>
+      </p:pic>
+      <p:pic>
+        <p:nvPicPr>
+          <p:cNvPr id="12" name="2sec" descr="A clear plastic bag with a blue sky in the background&#10;&#10;Description automatically generated">
+            <a:extLst>
+              <a:ext uri="{FF2B5EF4-FFF2-40B4-BE49-F238E27FC236}">
+                <a16:creationId xmlns:a16="http://schemas.microsoft.com/office/drawing/2014/main" id="{B53CD388-E97B-7A14-ED9B-ECAF4FE4FDF4}"/>
+              </a:ext>
+            </a:extLst>
+          </p:cNvPr>
+          <p:cNvPicPr>
+            <a:picLocks noChangeAspect="1"/>
+          </p:cNvPicPr>
+          <p:nvPr/>
+        </p:nvPicPr>
+        <p:blipFill>
+          <a:blip r:embed="rId3">
+            <a:alphaModFix amt="50000"/>
+            <a:extLst>
+              <a:ext uri="{BEBA8EAE-BF5A-486C-A8C5-ECC9F3942E4B}">
+                <a14:imgProps xmlns:a14="http://schemas.microsoft.com/office/drawing/2010/main">
+                  <a14:imgLayer r:embed="rId4">
+                    <a14:imgEffect>
+                      <a14:artisticMarker/>
+                    </a14:imgEffect>
+                  </a14:imgLayer>
+                </a14:imgProps>
+              </a:ext>
+              <a:ext uri="{28A0092B-C50C-407E-A947-70E740481C1C}">
+                <a14:useLocalDpi xmlns:a14="http://schemas.microsoft.com/office/drawing/2010/main" val="0"/>
+              </a:ext>
+            </a:extLst>
+          </a:blip>
+          <a:srcRect l="14673" r="17253" b="6512"/>
+          <a:stretch/>
+        </p:blipFill>
+        <p:spPr>
+          <a:xfrm>
+            <a:off x="0" y="0"/>
+            <a:ext cx="370116" cy="421956"/>
+          </a:xfrm>
+          <a:prstGeom prst="rect">
+            <a:avLst/>
+          </a:prstGeom>
+        </p:spPr>
+      </p:pic>
+      <p:pic>
+        <p:nvPicPr>
+          <p:cNvPr id="16" name="2sec" descr="A clear plastic bag with a blue sky in the background&#10;&#10;Description automatically generated">
+            <a:extLst>
+              <a:ext uri="{FF2B5EF4-FFF2-40B4-BE49-F238E27FC236}">
+                <a16:creationId xmlns:a16="http://schemas.microsoft.com/office/drawing/2014/main" id="{030BF022-FBFF-0D6D-63DC-5F0A47E58880}"/>
+              </a:ext>
+            </a:extLst>
+          </p:cNvPr>
+          <p:cNvPicPr>
+            <a:picLocks noChangeAspect="1"/>
+          </p:cNvPicPr>
+          <p:nvPr/>
+        </p:nvPicPr>
+        <p:blipFill>
+          <a:blip r:embed="rId3">
+            <a:alphaModFix amt="70000"/>
+            <a:extLst>
+              <a:ext uri="{BEBA8EAE-BF5A-486C-A8C5-ECC9F3942E4B}">
+                <a14:imgProps xmlns:a14="http://schemas.microsoft.com/office/drawing/2010/main">
+                  <a14:imgLayer r:embed="rId4">
+                    <a14:imgEffect>
+                      <a14:artisticMarker/>
+                    </a14:imgEffect>
+                  </a14:imgLayer>
+                </a14:imgProps>
+              </a:ext>
+              <a:ext uri="{28A0092B-C50C-407E-A947-70E740481C1C}">
+                <a14:useLocalDpi xmlns:a14="http://schemas.microsoft.com/office/drawing/2010/main" val="0"/>
+              </a:ext>
+            </a:extLst>
+          </a:blip>
+          <a:srcRect l="14673" r="17253" b="6512"/>
+          <a:stretch/>
+        </p:blipFill>
+        <p:spPr>
+          <a:xfrm flipH="1">
+            <a:off x="233201" y="173039"/>
+            <a:ext cx="136913" cy="252927"/>
+          </a:xfrm>
+          <a:prstGeom prst="rect">
+            <a:avLst/>
+          </a:prstGeom>
+        </p:spPr>
+      </p:pic>
+      <p:pic>
+        <p:nvPicPr>
+          <p:cNvPr id="17" name="2sec" descr="A clear plastic bag with a blue sky in the background&#10;&#10;Description automatically generated">
+            <a:extLst>
+              <a:ext uri="{FF2B5EF4-FFF2-40B4-BE49-F238E27FC236}">
+                <a16:creationId xmlns:a16="http://schemas.microsoft.com/office/drawing/2014/main" id="{C614638F-3F62-78F9-C046-55698D3B0065}"/>
+              </a:ext>
+            </a:extLst>
+          </p:cNvPr>
+          <p:cNvPicPr>
+            <a:picLocks noChangeAspect="1"/>
+          </p:cNvPicPr>
+          <p:nvPr/>
+        </p:nvPicPr>
+        <p:blipFill>
+          <a:blip r:embed="rId3">
+            <a:alphaModFix amt="70000"/>
+            <a:extLst>
+              <a:ext uri="{BEBA8EAE-BF5A-486C-A8C5-ECC9F3942E4B}">
+                <a14:imgProps xmlns:a14="http://schemas.microsoft.com/office/drawing/2010/main">
+                  <a14:imgLayer r:embed="rId4">
+                    <a14:imgEffect>
+                      <a14:artisticMarker/>
+                    </a14:imgEffect>
+                  </a14:imgLayer>
+                </a14:imgProps>
+              </a:ext>
+              <a:ext uri="{28A0092B-C50C-407E-A947-70E740481C1C}">
+                <a14:useLocalDpi xmlns:a14="http://schemas.microsoft.com/office/drawing/2010/main" val="0"/>
+              </a:ext>
+            </a:extLst>
+          </a:blip>
+          <a:srcRect l="14673" r="17253" b="6512"/>
+          <a:stretch/>
+        </p:blipFill>
+        <p:spPr>
+          <a:xfrm>
+            <a:off x="0" y="173039"/>
+            <a:ext cx="136913" cy="252927"/>
+          </a:xfrm>
+          <a:prstGeom prst="rect">
+            <a:avLst/>
+          </a:prstGeom>
+        </p:spPr>
+      </p:pic>
+    </p:spTree>
+    <p:extLst>
+      <p:ext uri="{BB962C8B-B14F-4D97-AF65-F5344CB8AC3E}">
+        <p14:creationId xmlns:p14="http://schemas.microsoft.com/office/powerpoint/2010/main" val="1472144004"/>
+      </p:ext>
+    </p:extLst>
+  </p:cSld>
+  <p:clrMapOvr>
+    <a:masterClrMapping/>
+  </p:clrMapOvr>
+  <p:timing>
+    <p:tnLst>
+      <p:par>
+        <p:cTn id="1" dur="indefinite" restart="never" nodeType="tmRoot">
+          <p:childTnLst>
+            <p:seq concurrent="1" nextAc="seek">
+              <p:cTn id="2" dur="indefinite" nodeType="mainSeq">
+                <p:childTnLst>
+                  <p:par>
+                    <p:cTn id="3" fill="hold">
+                      <p:stCondLst>
+                        <p:cond delay="indefinite"/>
+                        <p:cond evt="onBegin" delay="0">
+                          <p:tn val="2"/>
+                        </p:cond>
+                      </p:stCondLst>
+                      <p:childTnLst>
+                        <p:par>
+                          <p:cTn id="4" fill="hold">
+                            <p:stCondLst>
+                              <p:cond delay="0"/>
+                            </p:stCondLst>
+                            <p:childTnLst>
+                              <p:par>
+                                <p:cTn id="5" presetID="6" presetClass="exit" presetSubtype="32" fill="hold" nodeType="withEffect">
+                                  <p:stCondLst>
+                                    <p:cond delay="0"/>
+                                  </p:stCondLst>
+                                  <p:childTnLst>
+                                    <p:animEffect transition="out" filter="circle(out)">
+                                      <p:cBhvr>
+                                        <p:cTn id="6" dur="2000"/>
+                                        <p:tgtEl>
+                                          <p:spTgt spid="12"/>
+                                        </p:tgtEl>
+                                      </p:cBhvr>
+                                    </p:animEffect>
+                                    <p:set>
+                                      <p:cBhvr>
+                                        <p:cTn id="7" dur="1" fill="hold">
+                                          <p:stCondLst>
+                                            <p:cond delay="1999"/>
+                                          </p:stCondLst>
+                                        </p:cTn>
+                                        <p:tgtEl>
+                                          <p:spTgt spid="12"/>
+                                        </p:tgtEl>
+                                        <p:attrNameLst>
+                                          <p:attrName>style.visibility</p:attrName>
+                                        </p:attrNameLst>
+                                      </p:cBhvr>
+                                      <p:to>
+                                        <p:strVal val="hidden"/>
+                                      </p:to>
+                                    </p:set>
+                                  </p:childTnLst>
+                                </p:cTn>
+                              </p:par>
+                              <p:par>
+                                <p:cTn id="8" presetID="6" presetClass="exit" presetSubtype="32" fill="hold" nodeType="withEffect">
+                                  <p:stCondLst>
+                                    <p:cond delay="0"/>
+                                  </p:stCondLst>
+                                  <p:childTnLst>
+                                    <p:animEffect transition="out" filter="circle(out)">
+                                      <p:cBhvr>
+                                        <p:cTn id="9" dur="2000"/>
+                                        <p:tgtEl>
+                                          <p:spTgt spid="16"/>
+                                        </p:tgtEl>
+                                      </p:cBhvr>
+                                    </p:animEffect>
+                                    <p:set>
+                                      <p:cBhvr>
+                                        <p:cTn id="10" dur="1" fill="hold">
+                                          <p:stCondLst>
+                                            <p:cond delay="1999"/>
+                                          </p:stCondLst>
+                                        </p:cTn>
+                                        <p:tgtEl>
+                                          <p:spTgt spid="16"/>
+                                        </p:tgtEl>
+                                        <p:attrNameLst>
+                                          <p:attrName>style.visibility</p:attrName>
+                                        </p:attrNameLst>
+                                      </p:cBhvr>
+                                      <p:to>
+                                        <p:strVal val="hidden"/>
+                                      </p:to>
+                                    </p:set>
+                                  </p:childTnLst>
+                                </p:cTn>
+                              </p:par>
+                              <p:par>
+                                <p:cTn id="11" presetID="6" presetClass="exit" presetSubtype="32" fill="hold" nodeType="withEffect">
+                                  <p:stCondLst>
+                                    <p:cond delay="0"/>
+                                  </p:stCondLst>
+                                  <p:childTnLst>
+                                    <p:animEffect transition="out" filter="circle(out)">
+                                      <p:cBhvr>
+                                        <p:cTn id="12" dur="2000"/>
+                                        <p:tgtEl>
+                                          <p:spTgt spid="17"/>
+                                        </p:tgtEl>
+                                      </p:cBhvr>
+                                    </p:animEffect>
+                                    <p:set>
+                                      <p:cBhvr>
+                                        <p:cTn id="13" dur="1" fill="hold">
+                                          <p:stCondLst>
+                                            <p:cond delay="1999"/>
+                                          </p:stCondLst>
+                                        </p:cTn>
+                                        <p:tgtEl>
+                                          <p:spTgt spid="17"/>
+                                        </p:tgtEl>
+                                        <p:attrNameLst>
+                                          <p:attrName>style.visibility</p:attrName>
+                                        </p:attrNameLst>
+                                      </p:cBhvr>
+                                      <p:to>
+                                        <p:strVal val="hidden"/>
+                                      </p:to>
+                                    </p:set>
+                                  </p:childTnLst>
+                                </p:cTn>
+                              </p:par>
+                            </p:childTnLst>
+                          </p:cTn>
+                        </p:par>
+                      </p:childTnLst>
+                    </p:cTn>
+                  </p:par>
+                </p:childTnLst>
+              </p:cTn>
+              <p:prevCondLst>
+                <p:cond evt="onPrev" delay="0">
+                  <p:tgtEl>
+                    <p:sldTgt/>
+                  </p:tgtEl>
+                </p:cond>
+              </p:prevCondLst>
+              <p:nextCondLst>
+                <p:cond evt="onNext" delay="0">
+                  <p:tgtEl>
+                    <p:sldTgt/>
+                  </p:tgtEl>
+                </p:cond>
+              </p:nextCondLst>
+            </p:seq>
+          </p:childTnLst>
+        </p:cTn>
+      </p:par>
+    </p:tnLst>
+  </p:timing>
+</p:sld>
+</file>
+
+<file path=ppt/slides/slide5.xml><?xml version="1.0" encoding="utf-8"?>
+<p:sld xmlns:a="http://schemas.openxmlformats.org/drawingml/2006/main" xmlns:r="http://schemas.openxmlformats.org/officeDocument/2006/relationships" xmlns:p="http://schemas.openxmlformats.org/presentationml/2006/main">
+  <p:cSld>
+    <p:spTree>
+      <p:nvGrpSpPr>
+        <p:cNvPr id="1" name="">
+          <a:extLst>
+            <a:ext uri="{FF2B5EF4-FFF2-40B4-BE49-F238E27FC236}">
+              <a16:creationId xmlns:a16="http://schemas.microsoft.com/office/drawing/2014/main" id="{0517CFC6-BCAB-5816-5896-DE88DB7C6E02}"/>
+            </a:ext>
+          </a:extLst>
+        </p:cNvPr>
+        <p:cNvGrpSpPr/>
+        <p:nvPr/>
+      </p:nvGrpSpPr>
+      <p:grpSpPr>
+        <a:xfrm>
+          <a:off x="0" y="0"/>
+          <a:ext cx="0" cy="0"/>
+          <a:chOff x="0" y="0"/>
+          <a:chExt cx="0" cy="0"/>
+        </a:xfrm>
+      </p:grpSpPr>
+      <p:pic>
+        <p:nvPicPr>
+          <p:cNvPr id="8" name="purple">
+            <a:extLst>
+              <a:ext uri="{FF2B5EF4-FFF2-40B4-BE49-F238E27FC236}">
+                <a16:creationId xmlns:a16="http://schemas.microsoft.com/office/drawing/2014/main" id="{79F0278A-5207-32B4-45C1-6FD1DBB51F6F}"/>
+              </a:ext>
+            </a:extLst>
+          </p:cNvPr>
+          <p:cNvPicPr>
+            <a:picLocks noChangeAspect="1"/>
+          </p:cNvPicPr>
+          <p:nvPr/>
+        </p:nvPicPr>
+        <p:blipFill>
+          <a:blip r:embed="rId2">
+            <a:extLst>
+              <a:ext uri="{28A0092B-C50C-407E-A947-70E740481C1C}">
+                <a14:useLocalDpi xmlns:a14="http://schemas.microsoft.com/office/drawing/2010/main" val="0"/>
+              </a:ext>
+            </a:extLst>
+          </a:blip>
+          <a:srcRect l="4110" r="4110"/>
+          <a:stretch/>
+        </p:blipFill>
+        <p:spPr>
+          <a:xfrm>
+            <a:off x="85787" y="71199"/>
+            <a:ext cx="178753" cy="352425"/>
+          </a:xfrm>
+          <a:prstGeom prst="rect">
+            <a:avLst/>
+          </a:prstGeom>
+        </p:spPr>
+      </p:pic>
+      <p:pic>
+        <p:nvPicPr>
+          <p:cNvPr id="12" name="2sec" descr="A clear plastic bag with a blue sky in the background&#10;&#10;Description automatically generated">
+            <a:extLst>
+              <a:ext uri="{FF2B5EF4-FFF2-40B4-BE49-F238E27FC236}">
+                <a16:creationId xmlns:a16="http://schemas.microsoft.com/office/drawing/2014/main" id="{9A95D477-EA94-CD48-CE76-AEFB4EAAA6CE}"/>
+              </a:ext>
+            </a:extLst>
+          </p:cNvPr>
+          <p:cNvPicPr>
+            <a:picLocks noChangeAspect="1"/>
+          </p:cNvPicPr>
+          <p:nvPr/>
+        </p:nvPicPr>
+        <p:blipFill>
+          <a:blip r:embed="rId3">
+            <a:alphaModFix amt="50000"/>
+            <a:extLst>
+              <a:ext uri="{BEBA8EAE-BF5A-486C-A8C5-ECC9F3942E4B}">
+                <a14:imgProps xmlns:a14="http://schemas.microsoft.com/office/drawing/2010/main">
+                  <a14:imgLayer r:embed="rId4">
+                    <a14:imgEffect>
+                      <a14:artisticMarker/>
+                    </a14:imgEffect>
+                  </a14:imgLayer>
+                </a14:imgProps>
+              </a:ext>
+              <a:ext uri="{28A0092B-C50C-407E-A947-70E740481C1C}">
+                <a14:useLocalDpi xmlns:a14="http://schemas.microsoft.com/office/drawing/2010/main" val="0"/>
+              </a:ext>
+            </a:extLst>
+          </a:blip>
+          <a:srcRect l="14673" r="17253" b="6512"/>
+          <a:stretch/>
+        </p:blipFill>
+        <p:spPr>
+          <a:xfrm>
+            <a:off x="0" y="0"/>
+            <a:ext cx="370116" cy="421956"/>
+          </a:xfrm>
+          <a:prstGeom prst="rect">
+            <a:avLst/>
+          </a:prstGeom>
+        </p:spPr>
+      </p:pic>
+      <p:pic>
+        <p:nvPicPr>
+          <p:cNvPr id="16" name="2sec" descr="A clear plastic bag with a blue sky in the background&#10;&#10;Description automatically generated">
+            <a:extLst>
+              <a:ext uri="{FF2B5EF4-FFF2-40B4-BE49-F238E27FC236}">
+                <a16:creationId xmlns:a16="http://schemas.microsoft.com/office/drawing/2014/main" id="{CA19503B-39B7-92FD-35CA-30B78130A98F}"/>
+              </a:ext>
+            </a:extLst>
+          </p:cNvPr>
+          <p:cNvPicPr>
+            <a:picLocks noChangeAspect="1"/>
+          </p:cNvPicPr>
+          <p:nvPr/>
+        </p:nvPicPr>
+        <p:blipFill>
+          <a:blip r:embed="rId3">
+            <a:alphaModFix amt="70000"/>
+            <a:extLst>
+              <a:ext uri="{BEBA8EAE-BF5A-486C-A8C5-ECC9F3942E4B}">
+                <a14:imgProps xmlns:a14="http://schemas.microsoft.com/office/drawing/2010/main">
+                  <a14:imgLayer r:embed="rId4">
+                    <a14:imgEffect>
+                      <a14:artisticMarker/>
+                    </a14:imgEffect>
+                  </a14:imgLayer>
+                </a14:imgProps>
+              </a:ext>
+              <a:ext uri="{28A0092B-C50C-407E-A947-70E740481C1C}">
+                <a14:useLocalDpi xmlns:a14="http://schemas.microsoft.com/office/drawing/2010/main" val="0"/>
+              </a:ext>
+            </a:extLst>
+          </a:blip>
+          <a:srcRect l="14673" r="17253" b="6512"/>
+          <a:stretch/>
+        </p:blipFill>
+        <p:spPr>
+          <a:xfrm flipH="1">
+            <a:off x="233201" y="173039"/>
+            <a:ext cx="136913" cy="252927"/>
+          </a:xfrm>
+          <a:prstGeom prst="rect">
+            <a:avLst/>
+          </a:prstGeom>
+        </p:spPr>
+      </p:pic>
+      <p:pic>
+        <p:nvPicPr>
+          <p:cNvPr id="17" name="2sec" descr="A clear plastic bag with a blue sky in the background&#10;&#10;Description automatically generated">
+            <a:extLst>
+              <a:ext uri="{FF2B5EF4-FFF2-40B4-BE49-F238E27FC236}">
+                <a16:creationId xmlns:a16="http://schemas.microsoft.com/office/drawing/2014/main" id="{E98B993D-0871-EEBB-FCBB-2EAB22C9D1EB}"/>
+              </a:ext>
+            </a:extLst>
+          </p:cNvPr>
+          <p:cNvPicPr>
+            <a:picLocks noChangeAspect="1"/>
+          </p:cNvPicPr>
+          <p:nvPr/>
+        </p:nvPicPr>
+        <p:blipFill>
+          <a:blip r:embed="rId3">
+            <a:alphaModFix amt="70000"/>
+            <a:extLst>
+              <a:ext uri="{BEBA8EAE-BF5A-486C-A8C5-ECC9F3942E4B}">
+                <a14:imgProps xmlns:a14="http://schemas.microsoft.com/office/drawing/2010/main">
+                  <a14:imgLayer r:embed="rId4">
+                    <a14:imgEffect>
+                      <a14:artisticMarker/>
+                    </a14:imgEffect>
+                  </a14:imgLayer>
+                </a14:imgProps>
+              </a:ext>
+              <a:ext uri="{28A0092B-C50C-407E-A947-70E740481C1C}">
+                <a14:useLocalDpi xmlns:a14="http://schemas.microsoft.com/office/drawing/2010/main" val="0"/>
+              </a:ext>
+            </a:extLst>
+          </a:blip>
+          <a:srcRect l="14673" r="17253" b="6512"/>
+          <a:stretch/>
+        </p:blipFill>
+        <p:spPr>
+          <a:xfrm>
+            <a:off x="0" y="173039"/>
+            <a:ext cx="136913" cy="252927"/>
+          </a:xfrm>
+          <a:prstGeom prst="rect">
+            <a:avLst/>
+          </a:prstGeom>
+        </p:spPr>
+      </p:pic>
+    </p:spTree>
+    <p:extLst>
+      <p:ext uri="{BB962C8B-B14F-4D97-AF65-F5344CB8AC3E}">
+        <p14:creationId xmlns:p14="http://schemas.microsoft.com/office/powerpoint/2010/main" val="3947464198"/>
+      </p:ext>
+    </p:extLst>
+  </p:cSld>
+  <p:clrMapOvr>
+    <a:masterClrMapping/>
+  </p:clrMapOvr>
+  <p:timing>
+    <p:tnLst>
+      <p:par>
+        <p:cTn id="1" dur="indefinite" restart="never" nodeType="tmRoot">
+          <p:childTnLst>
+            <p:seq concurrent="1" nextAc="seek">
+              <p:cTn id="2" dur="indefinite" nodeType="mainSeq">
+                <p:childTnLst>
+                  <p:par>
+                    <p:cTn id="3" fill="hold">
+                      <p:stCondLst>
+                        <p:cond delay="indefinite"/>
+                        <p:cond evt="onBegin" delay="0">
+                          <p:tn val="2"/>
+                        </p:cond>
+                      </p:stCondLst>
+                      <p:childTnLst>
+                        <p:par>
+                          <p:cTn id="4" fill="hold">
+                            <p:stCondLst>
+                              <p:cond delay="0"/>
+                            </p:stCondLst>
+                            <p:childTnLst>
+                              <p:par>
+                                <p:cTn id="5" presetID="6" presetClass="exit" presetSubtype="32" fill="hold" nodeType="withEffect">
+                                  <p:stCondLst>
+                                    <p:cond delay="0"/>
+                                  </p:stCondLst>
+                                  <p:childTnLst>
+                                    <p:animEffect transition="out" filter="circle(out)">
+                                      <p:cBhvr>
+                                        <p:cTn id="6" dur="2000"/>
+                                        <p:tgtEl>
+                                          <p:spTgt spid="12"/>
+                                        </p:tgtEl>
+                                      </p:cBhvr>
+                                    </p:animEffect>
+                                    <p:set>
+                                      <p:cBhvr>
+                                        <p:cTn id="7" dur="1" fill="hold">
+                                          <p:stCondLst>
+                                            <p:cond delay="1999"/>
+                                          </p:stCondLst>
+                                        </p:cTn>
+                                        <p:tgtEl>
+                                          <p:spTgt spid="12"/>
+                                        </p:tgtEl>
+                                        <p:attrNameLst>
+                                          <p:attrName>style.visibility</p:attrName>
+                                        </p:attrNameLst>
+                                      </p:cBhvr>
+                                      <p:to>
+                                        <p:strVal val="hidden"/>
+                                      </p:to>
+                                    </p:set>
+                                  </p:childTnLst>
+                                </p:cTn>
+                              </p:par>
+                              <p:par>
+                                <p:cTn id="8" presetID="6" presetClass="exit" presetSubtype="32" fill="hold" nodeType="withEffect">
+                                  <p:stCondLst>
+                                    <p:cond delay="0"/>
+                                  </p:stCondLst>
+                                  <p:childTnLst>
+                                    <p:animEffect transition="out" filter="circle(out)">
+                                      <p:cBhvr>
+                                        <p:cTn id="9" dur="2000"/>
+                                        <p:tgtEl>
+                                          <p:spTgt spid="16"/>
+                                        </p:tgtEl>
+                                      </p:cBhvr>
+                                    </p:animEffect>
+                                    <p:set>
+                                      <p:cBhvr>
+                                        <p:cTn id="10" dur="1" fill="hold">
+                                          <p:stCondLst>
+                                            <p:cond delay="1999"/>
+                                          </p:stCondLst>
+                                        </p:cTn>
+                                        <p:tgtEl>
+                                          <p:spTgt spid="16"/>
+                                        </p:tgtEl>
+                                        <p:attrNameLst>
+                                          <p:attrName>style.visibility</p:attrName>
+                                        </p:attrNameLst>
+                                      </p:cBhvr>
+                                      <p:to>
+                                        <p:strVal val="hidden"/>
+                                      </p:to>
+                                    </p:set>
+                                  </p:childTnLst>
+                                </p:cTn>
+                              </p:par>
+                              <p:par>
+                                <p:cTn id="11" presetID="6" presetClass="exit" presetSubtype="32" fill="hold" nodeType="withEffect">
+                                  <p:stCondLst>
+                                    <p:cond delay="0"/>
+                                  </p:stCondLst>
+                                  <p:childTnLst>
+                                    <p:animEffect transition="out" filter="circle(out)">
+                                      <p:cBhvr>
+                                        <p:cTn id="12" dur="2000"/>
+                                        <p:tgtEl>
+                                          <p:spTgt spid="17"/>
+                                        </p:tgtEl>
+                                      </p:cBhvr>
+                                    </p:animEffect>
+                                    <p:set>
+                                      <p:cBhvr>
+                                        <p:cTn id="13" dur="1" fill="hold">
+                                          <p:stCondLst>
+                                            <p:cond delay="1999"/>
+                                          </p:stCondLst>
+                                        </p:cTn>
+                                        <p:tgtEl>
+                                          <p:spTgt spid="17"/>
+                                        </p:tgtEl>
+                                        <p:attrNameLst>
+                                          <p:attrName>style.visibility</p:attrName>
+                                        </p:attrNameLst>
+                                      </p:cBhvr>
+                                      <p:to>
+                                        <p:strVal val="hidden"/>
+                                      </p:to>
+                                    </p:set>
+                                  </p:childTnLst>
+                                </p:cTn>
+                              </p:par>
+                            </p:childTnLst>
+                          </p:cTn>
+                        </p:par>
+                      </p:childTnLst>
+                    </p:cTn>
+                  </p:par>
+                </p:childTnLst>
+              </p:cTn>
+              <p:prevCondLst>
+                <p:cond evt="onPrev" delay="0">
+                  <p:tgtEl>
+                    <p:sldTgt/>
+                  </p:tgtEl>
+                </p:cond>
+              </p:prevCondLst>
+              <p:nextCondLst>
+                <p:cond evt="onNext" delay="0">
+                  <p:tgtEl>
+                    <p:sldTgt/>
+                  </p:tgtEl>
+                </p:cond>
+              </p:nextCondLst>
+            </p:seq>
+          </p:childTnLst>
+        </p:cTn>
+      </p:par>
+    </p:tnLst>
+  </p:timing>
+</p:sld>
+</file>
+
+<file path=ppt/slides/slide6.xml><?xml version="1.0" encoding="utf-8"?>
+<p:sld xmlns:a="http://schemas.openxmlformats.org/drawingml/2006/main" xmlns:r="http://schemas.openxmlformats.org/officeDocument/2006/relationships" xmlns:p="http://schemas.openxmlformats.org/presentationml/2006/main">
+  <p:cSld>
+    <p:spTree>
+      <p:nvGrpSpPr>
+        <p:cNvPr id="1" name="">
+          <a:extLst>
+            <a:ext uri="{FF2B5EF4-FFF2-40B4-BE49-F238E27FC236}">
+              <a16:creationId xmlns:a16="http://schemas.microsoft.com/office/drawing/2014/main" id="{421AF360-11D4-FB4A-B436-61E2FB1F3754}"/>
+            </a:ext>
+          </a:extLst>
+        </p:cNvPr>
+        <p:cNvGrpSpPr/>
+        <p:nvPr/>
+      </p:nvGrpSpPr>
+      <p:grpSpPr>
+        <a:xfrm>
+          <a:off x="0" y="0"/>
+          <a:ext cx="0" cy="0"/>
+          <a:chOff x="0" y="0"/>
+          <a:chExt cx="0" cy="0"/>
+        </a:xfrm>
+      </p:grpSpPr>
+      <p:pic>
+        <p:nvPicPr>
+          <p:cNvPr id="8" name="yellow">
+            <a:extLst>
+              <a:ext uri="{FF2B5EF4-FFF2-40B4-BE49-F238E27FC236}">
+                <a16:creationId xmlns:a16="http://schemas.microsoft.com/office/drawing/2014/main" id="{76A230E9-F9FD-999C-5312-EDF0D551BC15}"/>
+              </a:ext>
+            </a:extLst>
+          </p:cNvPr>
+          <p:cNvPicPr>
+            <a:picLocks noChangeAspect="1"/>
+          </p:cNvPicPr>
+          <p:nvPr/>
+        </p:nvPicPr>
+        <p:blipFill>
+          <a:blip r:embed="rId2">
+            <a:extLst>
+              <a:ext uri="{28A0092B-C50C-407E-A947-70E740481C1C}">
+                <a14:useLocalDpi xmlns:a14="http://schemas.microsoft.com/office/drawing/2010/main" val="0"/>
+              </a:ext>
+            </a:extLst>
+          </a:blip>
+          <a:srcRect l="4110" r="4110"/>
+          <a:stretch/>
+        </p:blipFill>
+        <p:spPr>
+          <a:xfrm>
+            <a:off x="85787" y="71199"/>
+            <a:ext cx="178753" cy="352425"/>
+          </a:xfrm>
+          <a:prstGeom prst="rect">
+            <a:avLst/>
+          </a:prstGeom>
+        </p:spPr>
+      </p:pic>
+      <p:pic>
+        <p:nvPicPr>
+          <p:cNvPr id="12" name="2sec" descr="A clear plastic bag with a blue sky in the background&#10;&#10;Description automatically generated">
+            <a:extLst>
+              <a:ext uri="{FF2B5EF4-FFF2-40B4-BE49-F238E27FC236}">
+                <a16:creationId xmlns:a16="http://schemas.microsoft.com/office/drawing/2014/main" id="{285F8B31-E9F6-07DE-21C4-DF8291D4C181}"/>
+              </a:ext>
+            </a:extLst>
+          </p:cNvPr>
+          <p:cNvPicPr>
+            <a:picLocks noChangeAspect="1"/>
+          </p:cNvPicPr>
+          <p:nvPr/>
+        </p:nvPicPr>
+        <p:blipFill>
+          <a:blip r:embed="rId3">
+            <a:alphaModFix amt="50000"/>
+            <a:extLst>
+              <a:ext uri="{BEBA8EAE-BF5A-486C-A8C5-ECC9F3942E4B}">
+                <a14:imgProps xmlns:a14="http://schemas.microsoft.com/office/drawing/2010/main">
+                  <a14:imgLayer r:embed="rId4">
+                    <a14:imgEffect>
+                      <a14:artisticMarker/>
+                    </a14:imgEffect>
+                  </a14:imgLayer>
+                </a14:imgProps>
+              </a:ext>
+              <a:ext uri="{28A0092B-C50C-407E-A947-70E740481C1C}">
+                <a14:useLocalDpi xmlns:a14="http://schemas.microsoft.com/office/drawing/2010/main" val="0"/>
+              </a:ext>
+            </a:extLst>
+          </a:blip>
+          <a:srcRect l="14673" r="17253" b="6512"/>
+          <a:stretch/>
+        </p:blipFill>
+        <p:spPr>
+          <a:xfrm>
+            <a:off x="0" y="0"/>
+            <a:ext cx="370116" cy="421956"/>
+          </a:xfrm>
+          <a:prstGeom prst="rect">
+            <a:avLst/>
+          </a:prstGeom>
+        </p:spPr>
+      </p:pic>
+      <p:pic>
+        <p:nvPicPr>
+          <p:cNvPr id="16" name="2sec" descr="A clear plastic bag with a blue sky in the background&#10;&#10;Description automatically generated">
+            <a:extLst>
+              <a:ext uri="{FF2B5EF4-FFF2-40B4-BE49-F238E27FC236}">
+                <a16:creationId xmlns:a16="http://schemas.microsoft.com/office/drawing/2014/main" id="{D146BDC0-F5EA-3C6A-1866-A0D5E8E9E655}"/>
+              </a:ext>
+            </a:extLst>
+          </p:cNvPr>
+          <p:cNvPicPr>
+            <a:picLocks noChangeAspect="1"/>
+          </p:cNvPicPr>
+          <p:nvPr/>
+        </p:nvPicPr>
+        <p:blipFill>
+          <a:blip r:embed="rId3">
+            <a:alphaModFix amt="70000"/>
+            <a:extLst>
+              <a:ext uri="{BEBA8EAE-BF5A-486C-A8C5-ECC9F3942E4B}">
+                <a14:imgProps xmlns:a14="http://schemas.microsoft.com/office/drawing/2010/main">
+                  <a14:imgLayer r:embed="rId4">
+                    <a14:imgEffect>
+                      <a14:artisticMarker/>
+                    </a14:imgEffect>
+                  </a14:imgLayer>
+                </a14:imgProps>
+              </a:ext>
+              <a:ext uri="{28A0092B-C50C-407E-A947-70E740481C1C}">
+                <a14:useLocalDpi xmlns:a14="http://schemas.microsoft.com/office/drawing/2010/main" val="0"/>
+              </a:ext>
+            </a:extLst>
+          </a:blip>
+          <a:srcRect l="14673" r="17253" b="6512"/>
+          <a:stretch/>
+        </p:blipFill>
+        <p:spPr>
+          <a:xfrm flipH="1">
+            <a:off x="233201" y="173039"/>
+            <a:ext cx="136913" cy="252927"/>
+          </a:xfrm>
+          <a:prstGeom prst="rect">
+            <a:avLst/>
+          </a:prstGeom>
+        </p:spPr>
+      </p:pic>
+      <p:pic>
+        <p:nvPicPr>
+          <p:cNvPr id="17" name="2sec" descr="A clear plastic bag with a blue sky in the background&#10;&#10;Description automatically generated">
+            <a:extLst>
+              <a:ext uri="{FF2B5EF4-FFF2-40B4-BE49-F238E27FC236}">
+                <a16:creationId xmlns:a16="http://schemas.microsoft.com/office/drawing/2014/main" id="{A1CF3B2B-6CE0-9B60-88C6-46790114BEA9}"/>
+              </a:ext>
+            </a:extLst>
+          </p:cNvPr>
+          <p:cNvPicPr>
+            <a:picLocks noChangeAspect="1"/>
+          </p:cNvPicPr>
+          <p:nvPr/>
+        </p:nvPicPr>
+        <p:blipFill>
+          <a:blip r:embed="rId3">
+            <a:alphaModFix amt="70000"/>
+            <a:extLst>
+              <a:ext uri="{BEBA8EAE-BF5A-486C-A8C5-ECC9F3942E4B}">
+                <a14:imgProps xmlns:a14="http://schemas.microsoft.com/office/drawing/2010/main">
+                  <a14:imgLayer r:embed="rId4">
+                    <a14:imgEffect>
+                      <a14:artisticMarker/>
+                    </a14:imgEffect>
+                  </a14:imgLayer>
+                </a14:imgProps>
+              </a:ext>
+              <a:ext uri="{28A0092B-C50C-407E-A947-70E740481C1C}">
+                <a14:useLocalDpi xmlns:a14="http://schemas.microsoft.com/office/drawing/2010/main" val="0"/>
+              </a:ext>
+            </a:extLst>
+          </a:blip>
+          <a:srcRect l="14673" r="17253" b="6512"/>
+          <a:stretch/>
+        </p:blipFill>
+        <p:spPr>
+          <a:xfrm>
+            <a:off x="0" y="173039"/>
+            <a:ext cx="136913" cy="252927"/>
+          </a:xfrm>
+          <a:prstGeom prst="rect">
+            <a:avLst/>
+          </a:prstGeom>
+        </p:spPr>
+      </p:pic>
+    </p:spTree>
+    <p:extLst>
+      <p:ext uri="{BB962C8B-B14F-4D97-AF65-F5344CB8AC3E}">
+        <p14:creationId xmlns:p14="http://schemas.microsoft.com/office/powerpoint/2010/main" val="3130764439"/>
+      </p:ext>
+    </p:extLst>
+  </p:cSld>
+  <p:clrMapOvr>
+    <a:masterClrMapping/>
+  </p:clrMapOvr>
+  <p:timing>
+    <p:tnLst>
+      <p:par>
+        <p:cTn id="1" dur="indefinite" restart="never" nodeType="tmRoot">
+          <p:childTnLst>
+            <p:seq concurrent="1" nextAc="seek">
+              <p:cTn id="2" dur="indefinite" nodeType="mainSeq">
+                <p:childTnLst>
+                  <p:par>
+                    <p:cTn id="3" fill="hold">
+                      <p:stCondLst>
+                        <p:cond delay="indefinite"/>
+                        <p:cond evt="onBegin" delay="0">
+                          <p:tn val="2"/>
+                        </p:cond>
+                      </p:stCondLst>
+                      <p:childTnLst>
+                        <p:par>
+                          <p:cTn id="4" fill="hold">
+                            <p:stCondLst>
+                              <p:cond delay="0"/>
+                            </p:stCondLst>
+                            <p:childTnLst>
+                              <p:par>
+                                <p:cTn id="5" presetID="6" presetClass="exit" presetSubtype="32" fill="hold" nodeType="withEffect">
+                                  <p:stCondLst>
+                                    <p:cond delay="0"/>
+                                  </p:stCondLst>
+                                  <p:childTnLst>
+                                    <p:animEffect transition="out" filter="circle(out)">
+                                      <p:cBhvr>
+                                        <p:cTn id="6" dur="2000"/>
+                                        <p:tgtEl>
+                                          <p:spTgt spid="12"/>
+                                        </p:tgtEl>
+                                      </p:cBhvr>
+                                    </p:animEffect>
+                                    <p:set>
+                                      <p:cBhvr>
+                                        <p:cTn id="7" dur="1" fill="hold">
+                                          <p:stCondLst>
+                                            <p:cond delay="1999"/>
+                                          </p:stCondLst>
+                                        </p:cTn>
+                                        <p:tgtEl>
+                                          <p:spTgt spid="12"/>
+                                        </p:tgtEl>
+                                        <p:attrNameLst>
+                                          <p:attrName>style.visibility</p:attrName>
+                                        </p:attrNameLst>
+                                      </p:cBhvr>
+                                      <p:to>
+                                        <p:strVal val="hidden"/>
+                                      </p:to>
+                                    </p:set>
+                                  </p:childTnLst>
+                                </p:cTn>
+                              </p:par>
+                              <p:par>
+                                <p:cTn id="8" presetID="6" presetClass="exit" presetSubtype="32" fill="hold" nodeType="withEffect">
+                                  <p:stCondLst>
+                                    <p:cond delay="0"/>
+                                  </p:stCondLst>
+                                  <p:childTnLst>
+                                    <p:animEffect transition="out" filter="circle(out)">
+                                      <p:cBhvr>
+                                        <p:cTn id="9" dur="2000"/>
+                                        <p:tgtEl>
+                                          <p:spTgt spid="16"/>
+                                        </p:tgtEl>
+                                      </p:cBhvr>
+                                    </p:animEffect>
+                                    <p:set>
+                                      <p:cBhvr>
+                                        <p:cTn id="10" dur="1" fill="hold">
+                                          <p:stCondLst>
+                                            <p:cond delay="1999"/>
+                                          </p:stCondLst>
+                                        </p:cTn>
+                                        <p:tgtEl>
+                                          <p:spTgt spid="16"/>
+                                        </p:tgtEl>
+                                        <p:attrNameLst>
+                                          <p:attrName>style.visibility</p:attrName>
+                                        </p:attrNameLst>
+                                      </p:cBhvr>
+                                      <p:to>
+                                        <p:strVal val="hidden"/>
+                                      </p:to>
+                                    </p:set>
+                                  </p:childTnLst>
+                                </p:cTn>
+                              </p:par>
+                              <p:par>
+                                <p:cTn id="11" presetID="6" presetClass="exit" presetSubtype="32" fill="hold" nodeType="withEffect">
+                                  <p:stCondLst>
+                                    <p:cond delay="0"/>
+                                  </p:stCondLst>
+                                  <p:childTnLst>
+                                    <p:animEffect transition="out" filter="circle(out)">
+                                      <p:cBhvr>
+                                        <p:cTn id="12" dur="2000"/>
+                                        <p:tgtEl>
+                                          <p:spTgt spid="17"/>
+                                        </p:tgtEl>
+                                      </p:cBhvr>
+                                    </p:animEffect>
+                                    <p:set>
+                                      <p:cBhvr>
+                                        <p:cTn id="13" dur="1" fill="hold">
+                                          <p:stCondLst>
+                                            <p:cond delay="1999"/>
+                                          </p:stCondLst>
+                                        </p:cTn>
+                                        <p:tgtEl>
+                                          <p:spTgt spid="17"/>
+                                        </p:tgtEl>
+                                        <p:attrNameLst>
+                                          <p:attrName>style.visibility</p:attrName>
+                                        </p:attrNameLst>
+                                      </p:cBhvr>
+                                      <p:to>
+                                        <p:strVal val="hidden"/>
+                                      </p:to>
+                                    </p:set>
+                                  </p:childTnLst>
+                                </p:cTn>
+                              </p:par>
+                            </p:childTnLst>
+                          </p:cTn>
+                        </p:par>
+                      </p:childTnLst>
+                    </p:cTn>
+                  </p:par>
+                </p:childTnLst>
+              </p:cTn>
+              <p:prevCondLst>
+                <p:cond evt="onPrev" delay="0">
+                  <p:tgtEl>
+                    <p:sldTgt/>
+                  </p:tgtEl>
+                </p:cond>
+              </p:prevCondLst>
+              <p:nextCondLst>
+                <p:cond evt="onNext" delay="0">
+                  <p:tgtEl>
+                    <p:sldTgt/>
+                  </p:tgtEl>
+                </p:cond>
+              </p:nextCondLst>
+            </p:seq>
+          </p:childTnLst>
+        </p:cTn>
+      </p:par>
+    </p:tnLst>
+  </p:timing>
+</p:sld>
+</file>
+
+<file path=ppt/slides/slide7.xml><?xml version="1.0" encoding="utf-8"?>
+<p:sld xmlns:a="http://schemas.openxmlformats.org/drawingml/2006/main" xmlns:r="http://schemas.openxmlformats.org/officeDocument/2006/relationships" xmlns:p="http://schemas.openxmlformats.org/presentationml/2006/main">
+  <p:cSld>
+    <p:spTree>
+      <p:nvGrpSpPr>
+        <p:cNvPr id="1" name="">
+          <a:extLst>
+            <a:ext uri="{FF2B5EF4-FFF2-40B4-BE49-F238E27FC236}">
+              <a16:creationId xmlns:a16="http://schemas.microsoft.com/office/drawing/2014/main" id="{97A16352-38E0-9AC1-9BD3-678A7C330ECE}"/>
+            </a:ext>
+          </a:extLst>
+        </p:cNvPr>
+        <p:cNvGrpSpPr/>
+        <p:nvPr/>
+      </p:nvGrpSpPr>
+      <p:grpSpPr>
+        <a:xfrm>
+          <a:off x="0" y="0"/>
+          <a:ext cx="0" cy="0"/>
+          <a:chOff x="0" y="0"/>
+          <a:chExt cx="0" cy="0"/>
+        </a:xfrm>
+      </p:grpSpPr>
+      <p:pic>
+        <p:nvPicPr>
+          <p:cNvPr id="8" name="p1">
+            <a:extLst>
+              <a:ext uri="{FF2B5EF4-FFF2-40B4-BE49-F238E27FC236}">
+                <a16:creationId xmlns:a16="http://schemas.microsoft.com/office/drawing/2014/main" id="{0D6A7137-2918-5C60-6949-C7E2C1AC7EF7}"/>
+              </a:ext>
+            </a:extLst>
+          </p:cNvPr>
+          <p:cNvPicPr>
+            <a:picLocks noChangeAspect="1"/>
+          </p:cNvPicPr>
+          <p:nvPr/>
+        </p:nvPicPr>
+        <p:blipFill>
+          <a:blip r:embed="rId2">
+            <a:extLst>
+              <a:ext uri="{28A0092B-C50C-407E-A947-70E740481C1C}">
+                <a14:useLocalDpi xmlns:a14="http://schemas.microsoft.com/office/drawing/2010/main" val="0"/>
+              </a:ext>
+            </a:extLst>
+          </a:blip>
+          <a:srcRect l="4110" r="4110"/>
+          <a:stretch/>
+        </p:blipFill>
+        <p:spPr>
+          <a:xfrm>
+            <a:off x="85787" y="71199"/>
+            <a:ext cx="178753" cy="352425"/>
+          </a:xfrm>
+          <a:prstGeom prst="rect">
+            <a:avLst/>
+          </a:prstGeom>
+        </p:spPr>
+      </p:pic>
+      <p:pic>
+        <p:nvPicPr>
+          <p:cNvPr id="12" name="2sec" descr="A clear plastic bag with a blue sky in the background&#10;&#10;Description automatically generated">
+            <a:extLst>
+              <a:ext uri="{FF2B5EF4-FFF2-40B4-BE49-F238E27FC236}">
+                <a16:creationId xmlns:a16="http://schemas.microsoft.com/office/drawing/2014/main" id="{A9808F7F-14D2-B87E-48F9-1CAE0C93A001}"/>
+              </a:ext>
+            </a:extLst>
+          </p:cNvPr>
+          <p:cNvPicPr>
+            <a:picLocks noChangeAspect="1"/>
+          </p:cNvPicPr>
+          <p:nvPr/>
+        </p:nvPicPr>
+        <p:blipFill>
+          <a:blip r:embed="rId3">
+            <a:alphaModFix amt="50000"/>
+            <a:extLst>
+              <a:ext uri="{BEBA8EAE-BF5A-486C-A8C5-ECC9F3942E4B}">
+                <a14:imgProps xmlns:a14="http://schemas.microsoft.com/office/drawing/2010/main">
+                  <a14:imgLayer r:embed="rId4">
+                    <a14:imgEffect>
+                      <a14:artisticMarker/>
+                    </a14:imgEffect>
+                  </a14:imgLayer>
+                </a14:imgProps>
+              </a:ext>
+              <a:ext uri="{28A0092B-C50C-407E-A947-70E740481C1C}">
+                <a14:useLocalDpi xmlns:a14="http://schemas.microsoft.com/office/drawing/2010/main" val="0"/>
+              </a:ext>
+            </a:extLst>
+          </a:blip>
+          <a:srcRect l="14673" r="17253" b="6512"/>
+          <a:stretch/>
+        </p:blipFill>
+        <p:spPr>
+          <a:xfrm>
+            <a:off x="0" y="0"/>
+            <a:ext cx="370116" cy="421956"/>
+          </a:xfrm>
+          <a:prstGeom prst="rect">
+            <a:avLst/>
+          </a:prstGeom>
+        </p:spPr>
+      </p:pic>
+      <p:pic>
+        <p:nvPicPr>
+          <p:cNvPr id="16" name="2sec" descr="A clear plastic bag with a blue sky in the background&#10;&#10;Description automatically generated">
+            <a:extLst>
+              <a:ext uri="{FF2B5EF4-FFF2-40B4-BE49-F238E27FC236}">
+                <a16:creationId xmlns:a16="http://schemas.microsoft.com/office/drawing/2014/main" id="{F3862C73-7A27-0ACA-4C6E-ABFEF45A18DA}"/>
+              </a:ext>
+            </a:extLst>
+          </p:cNvPr>
+          <p:cNvPicPr>
+            <a:picLocks noChangeAspect="1"/>
+          </p:cNvPicPr>
+          <p:nvPr/>
+        </p:nvPicPr>
+        <p:blipFill>
+          <a:blip r:embed="rId3">
+            <a:alphaModFix amt="70000"/>
+            <a:extLst>
+              <a:ext uri="{BEBA8EAE-BF5A-486C-A8C5-ECC9F3942E4B}">
+                <a14:imgProps xmlns:a14="http://schemas.microsoft.com/office/drawing/2010/main">
+                  <a14:imgLayer r:embed="rId4">
+                    <a14:imgEffect>
+                      <a14:artisticMarker/>
+                    </a14:imgEffect>
+                  </a14:imgLayer>
+                </a14:imgProps>
+              </a:ext>
+              <a:ext uri="{28A0092B-C50C-407E-A947-70E740481C1C}">
+                <a14:useLocalDpi xmlns:a14="http://schemas.microsoft.com/office/drawing/2010/main" val="0"/>
+              </a:ext>
+            </a:extLst>
+          </a:blip>
+          <a:srcRect l="14673" r="17253" b="6512"/>
+          <a:stretch/>
+        </p:blipFill>
+        <p:spPr>
+          <a:xfrm flipH="1">
+            <a:off x="233201" y="173039"/>
+            <a:ext cx="136913" cy="252927"/>
+          </a:xfrm>
+          <a:prstGeom prst="rect">
+            <a:avLst/>
+          </a:prstGeom>
+        </p:spPr>
+      </p:pic>
+      <p:pic>
+        <p:nvPicPr>
+          <p:cNvPr id="17" name="2sec" descr="A clear plastic bag with a blue sky in the background&#10;&#10;Description automatically generated">
+            <a:extLst>
+              <a:ext uri="{FF2B5EF4-FFF2-40B4-BE49-F238E27FC236}">
+                <a16:creationId xmlns:a16="http://schemas.microsoft.com/office/drawing/2014/main" id="{4D7FCBA9-0BEC-1B1B-6F36-97543937C91E}"/>
+              </a:ext>
+            </a:extLst>
+          </p:cNvPr>
+          <p:cNvPicPr>
+            <a:picLocks noChangeAspect="1"/>
+          </p:cNvPicPr>
+          <p:nvPr/>
+        </p:nvPicPr>
+        <p:blipFill>
+          <a:blip r:embed="rId3">
+            <a:alphaModFix amt="70000"/>
+            <a:extLst>
+              <a:ext uri="{BEBA8EAE-BF5A-486C-A8C5-ECC9F3942E4B}">
+                <a14:imgProps xmlns:a14="http://schemas.microsoft.com/office/drawing/2010/main">
+                  <a14:imgLayer r:embed="rId4">
+                    <a14:imgEffect>
+                      <a14:artisticMarker/>
+                    </a14:imgEffect>
+                  </a14:imgLayer>
+                </a14:imgProps>
+              </a:ext>
+              <a:ext uri="{28A0092B-C50C-407E-A947-70E740481C1C}">
+                <a14:useLocalDpi xmlns:a14="http://schemas.microsoft.com/office/drawing/2010/main" val="0"/>
+              </a:ext>
+            </a:extLst>
+          </a:blip>
+          <a:srcRect l="14673" r="17253" b="6512"/>
+          <a:stretch/>
+        </p:blipFill>
+        <p:spPr>
+          <a:xfrm>
+            <a:off x="0" y="173039"/>
+            <a:ext cx="136913" cy="252927"/>
+          </a:xfrm>
+          <a:prstGeom prst="rect">
+            <a:avLst/>
+          </a:prstGeom>
+        </p:spPr>
+      </p:pic>
+    </p:spTree>
+    <p:extLst>
+      <p:ext uri="{BB962C8B-B14F-4D97-AF65-F5344CB8AC3E}">
+        <p14:creationId xmlns:p14="http://schemas.microsoft.com/office/powerpoint/2010/main" val="1438191720"/>
+      </p:ext>
+    </p:extLst>
+  </p:cSld>
+  <p:clrMapOvr>
+    <a:masterClrMapping/>
+  </p:clrMapOvr>
+  <p:timing>
+    <p:tnLst>
+      <p:par>
+        <p:cTn id="1" dur="indefinite" restart="never" nodeType="tmRoot">
+          <p:childTnLst>
+            <p:seq concurrent="1" nextAc="seek">
+              <p:cTn id="2" dur="indefinite" nodeType="mainSeq">
+                <p:childTnLst>
+                  <p:par>
+                    <p:cTn id="3" fill="hold">
+                      <p:stCondLst>
+                        <p:cond delay="indefinite"/>
+                        <p:cond evt="onBegin" delay="0">
+                          <p:tn val="2"/>
+                        </p:cond>
+                      </p:stCondLst>
+                      <p:childTnLst>
+                        <p:par>
+                          <p:cTn id="4" fill="hold">
+                            <p:stCondLst>
+                              <p:cond delay="0"/>
+                            </p:stCondLst>
+                            <p:childTnLst>
+                              <p:par>
+                                <p:cTn id="5" presetID="6" presetClass="exit" presetSubtype="32" fill="hold" nodeType="withEffect">
+                                  <p:stCondLst>
+                                    <p:cond delay="0"/>
+                                  </p:stCondLst>
+                                  <p:childTnLst>
+                                    <p:animEffect transition="out" filter="circle(out)">
+                                      <p:cBhvr>
+                                        <p:cTn id="6" dur="2000"/>
+                                        <p:tgtEl>
+                                          <p:spTgt spid="12"/>
+                                        </p:tgtEl>
+                                      </p:cBhvr>
+                                    </p:animEffect>
+                                    <p:set>
+                                      <p:cBhvr>
+                                        <p:cTn id="7" dur="1" fill="hold">
+                                          <p:stCondLst>
+                                            <p:cond delay="1999"/>
+                                          </p:stCondLst>
+                                        </p:cTn>
+                                        <p:tgtEl>
+                                          <p:spTgt spid="12"/>
+                                        </p:tgtEl>
+                                        <p:attrNameLst>
+                                          <p:attrName>style.visibility</p:attrName>
+                                        </p:attrNameLst>
+                                      </p:cBhvr>
+                                      <p:to>
+                                        <p:strVal val="hidden"/>
+                                      </p:to>
+                                    </p:set>
+                                  </p:childTnLst>
+                                </p:cTn>
+                              </p:par>
+                              <p:par>
+                                <p:cTn id="8" presetID="6" presetClass="exit" presetSubtype="32" fill="hold" nodeType="withEffect">
+                                  <p:stCondLst>
+                                    <p:cond delay="0"/>
+                                  </p:stCondLst>
+                                  <p:childTnLst>
+                                    <p:animEffect transition="out" filter="circle(out)">
+                                      <p:cBhvr>
+                                        <p:cTn id="9" dur="2000"/>
+                                        <p:tgtEl>
+                                          <p:spTgt spid="16"/>
+                                        </p:tgtEl>
+                                      </p:cBhvr>
+                                    </p:animEffect>
+                                    <p:set>
+                                      <p:cBhvr>
+                                        <p:cTn id="10" dur="1" fill="hold">
+                                          <p:stCondLst>
+                                            <p:cond delay="1999"/>
+                                          </p:stCondLst>
+                                        </p:cTn>
+                                        <p:tgtEl>
+                                          <p:spTgt spid="16"/>
+                                        </p:tgtEl>
+                                        <p:attrNameLst>
+                                          <p:attrName>style.visibility</p:attrName>
+                                        </p:attrNameLst>
+                                      </p:cBhvr>
+                                      <p:to>
+                                        <p:strVal val="hidden"/>
+                                      </p:to>
+                                    </p:set>
+                                  </p:childTnLst>
+                                </p:cTn>
+                              </p:par>
+                              <p:par>
+                                <p:cTn id="11" presetID="6" presetClass="exit" presetSubtype="32" fill="hold" nodeType="withEffect">
+                                  <p:stCondLst>
+                                    <p:cond delay="0"/>
+                                  </p:stCondLst>
+                                  <p:childTnLst>
+                                    <p:animEffect transition="out" filter="circle(out)">
+                                      <p:cBhvr>
+                                        <p:cTn id="12" dur="2000"/>
+                                        <p:tgtEl>
+                                          <p:spTgt spid="17"/>
+                                        </p:tgtEl>
+                                      </p:cBhvr>
+                                    </p:animEffect>
+                                    <p:set>
+                                      <p:cBhvr>
+                                        <p:cTn id="13" dur="1" fill="hold">
+                                          <p:stCondLst>
+                                            <p:cond delay="1999"/>
+                                          </p:stCondLst>
+                                        </p:cTn>
+                                        <p:tgtEl>
+                                          <p:spTgt spid="17"/>
+                                        </p:tgtEl>
+                                        <p:attrNameLst>
+                                          <p:attrName>style.visibility</p:attrName>
+                                        </p:attrNameLst>
+                                      </p:cBhvr>
+                                      <p:to>
+                                        <p:strVal val="hidden"/>
+                                      </p:to>
+                                    </p:set>
+                                  </p:childTnLst>
+                                </p:cTn>
+                              </p:par>
+                            </p:childTnLst>
+                          </p:cTn>
+                        </p:par>
+                      </p:childTnLst>
+                    </p:cTn>
+                  </p:par>
+                </p:childTnLst>
+              </p:cTn>
+              <p:prevCondLst>
+                <p:cond evt="onPrev" delay="0">
+                  <p:tgtEl>
+                    <p:sldTgt/>
+                  </p:tgtEl>
+                </p:cond>
+              </p:prevCondLst>
+              <p:nextCondLst>
+                <p:cond evt="onNext" delay="0">
+                  <p:tgtEl>
+                    <p:sldTgt/>
+                  </p:tgtEl>
+                </p:cond>
+              </p:nextCondLst>
+            </p:seq>
+          </p:childTnLst>
+        </p:cTn>
+      </p:par>
+    </p:tnLst>
+  </p:timing>
+</p:sld>
+</file>
+
+<file path=ppt/slides/slide8.xml><?xml version="1.0" encoding="utf-8"?>
+<p:sld xmlns:a="http://schemas.openxmlformats.org/drawingml/2006/main" xmlns:r="http://schemas.openxmlformats.org/officeDocument/2006/relationships" xmlns:p="http://schemas.openxmlformats.org/presentationml/2006/main">
+  <p:cSld>
+    <p:spTree>
+      <p:nvGrpSpPr>
+        <p:cNvPr id="1" name="">
+          <a:extLst>
+            <a:ext uri="{FF2B5EF4-FFF2-40B4-BE49-F238E27FC236}">
+              <a16:creationId xmlns:a16="http://schemas.microsoft.com/office/drawing/2014/main" id="{4543ABCB-BF52-F699-CF81-9F738BE5AA13}"/>
+            </a:ext>
+          </a:extLst>
+        </p:cNvPr>
+        <p:cNvGrpSpPr/>
+        <p:nvPr/>
+      </p:nvGrpSpPr>
+      <p:grpSpPr>
+        <a:xfrm>
+          <a:off x="0" y="0"/>
+          <a:ext cx="0" cy="0"/>
+          <a:chOff x="0" y="0"/>
+          <a:chExt cx="0" cy="0"/>
+        </a:xfrm>
+      </p:grpSpPr>
+      <p:pic>
+        <p:nvPicPr>
+          <p:cNvPr id="8" name="p2">
+            <a:extLst>
+              <a:ext uri="{FF2B5EF4-FFF2-40B4-BE49-F238E27FC236}">
+                <a16:creationId xmlns:a16="http://schemas.microsoft.com/office/drawing/2014/main" id="{F0870EEC-4EDE-52B3-D620-2FAFF4948627}"/>
+              </a:ext>
+            </a:extLst>
+          </p:cNvPr>
+          <p:cNvPicPr>
+            <a:picLocks noChangeAspect="1"/>
+          </p:cNvPicPr>
+          <p:nvPr/>
+        </p:nvPicPr>
+        <p:blipFill>
+          <a:blip r:embed="rId2">
+            <a:extLst>
+              <a:ext uri="{28A0092B-C50C-407E-A947-70E740481C1C}">
+                <a14:useLocalDpi xmlns:a14="http://schemas.microsoft.com/office/drawing/2010/main" val="0"/>
+              </a:ext>
+            </a:extLst>
+          </a:blip>
+          <a:srcRect l="4110" r="4110"/>
+          <a:stretch/>
+        </p:blipFill>
+        <p:spPr>
+          <a:xfrm>
+            <a:off x="85787" y="71199"/>
+            <a:ext cx="178753" cy="352425"/>
+          </a:xfrm>
+          <a:prstGeom prst="rect">
+            <a:avLst/>
+          </a:prstGeom>
+        </p:spPr>
+      </p:pic>
+      <p:pic>
+        <p:nvPicPr>
+          <p:cNvPr id="12" name="2sec" descr="A clear plastic bag with a blue sky in the background&#10;&#10;Description automatically generated">
+            <a:extLst>
+              <a:ext uri="{FF2B5EF4-FFF2-40B4-BE49-F238E27FC236}">
+                <a16:creationId xmlns:a16="http://schemas.microsoft.com/office/drawing/2014/main" id="{21920D7B-9F34-7CBB-8192-42748CA00C4C}"/>
+              </a:ext>
+            </a:extLst>
+          </p:cNvPr>
+          <p:cNvPicPr>
+            <a:picLocks noChangeAspect="1"/>
+          </p:cNvPicPr>
+          <p:nvPr/>
+        </p:nvPicPr>
+        <p:blipFill>
+          <a:blip r:embed="rId3">
+            <a:alphaModFix amt="50000"/>
+            <a:extLst>
+              <a:ext uri="{BEBA8EAE-BF5A-486C-A8C5-ECC9F3942E4B}">
+                <a14:imgProps xmlns:a14="http://schemas.microsoft.com/office/drawing/2010/main">
+                  <a14:imgLayer r:embed="rId4">
+                    <a14:imgEffect>
+                      <a14:artisticMarker/>
+                    </a14:imgEffect>
+                  </a14:imgLayer>
+                </a14:imgProps>
+              </a:ext>
+              <a:ext uri="{28A0092B-C50C-407E-A947-70E740481C1C}">
+                <a14:useLocalDpi xmlns:a14="http://schemas.microsoft.com/office/drawing/2010/main" val="0"/>
+              </a:ext>
+            </a:extLst>
+          </a:blip>
+          <a:srcRect l="14673" r="17253" b="6512"/>
+          <a:stretch/>
+        </p:blipFill>
+        <p:spPr>
+          <a:xfrm>
+            <a:off x="0" y="0"/>
+            <a:ext cx="370116" cy="421956"/>
+          </a:xfrm>
+          <a:prstGeom prst="rect">
+            <a:avLst/>
+          </a:prstGeom>
+        </p:spPr>
+      </p:pic>
+      <p:pic>
+        <p:nvPicPr>
+          <p:cNvPr id="16" name="2sec" descr="A clear plastic bag with a blue sky in the background&#10;&#10;Description automatically generated">
+            <a:extLst>
+              <a:ext uri="{FF2B5EF4-FFF2-40B4-BE49-F238E27FC236}">
+                <a16:creationId xmlns:a16="http://schemas.microsoft.com/office/drawing/2014/main" id="{F3C2EA4C-0934-9EC8-C8AE-F1AF2374017A}"/>
+              </a:ext>
+            </a:extLst>
+          </p:cNvPr>
+          <p:cNvPicPr>
+            <a:picLocks noChangeAspect="1"/>
+          </p:cNvPicPr>
+          <p:nvPr/>
+        </p:nvPicPr>
+        <p:blipFill>
+          <a:blip r:embed="rId3">
+            <a:alphaModFix amt="70000"/>
+            <a:extLst>
+              <a:ext uri="{BEBA8EAE-BF5A-486C-A8C5-ECC9F3942E4B}">
+                <a14:imgProps xmlns:a14="http://schemas.microsoft.com/office/drawing/2010/main">
+                  <a14:imgLayer r:embed="rId4">
+                    <a14:imgEffect>
+                      <a14:artisticMarker/>
+                    </a14:imgEffect>
+                  </a14:imgLayer>
+                </a14:imgProps>
+              </a:ext>
+              <a:ext uri="{28A0092B-C50C-407E-A947-70E740481C1C}">
+                <a14:useLocalDpi xmlns:a14="http://schemas.microsoft.com/office/drawing/2010/main" val="0"/>
+              </a:ext>
+            </a:extLst>
+          </a:blip>
+          <a:srcRect l="14673" r="17253" b="6512"/>
+          <a:stretch/>
+        </p:blipFill>
+        <p:spPr>
+          <a:xfrm flipH="1">
+            <a:off x="233201" y="173039"/>
+            <a:ext cx="136913" cy="252927"/>
+          </a:xfrm>
+          <a:prstGeom prst="rect">
+            <a:avLst/>
+          </a:prstGeom>
+        </p:spPr>
+      </p:pic>
+      <p:pic>
+        <p:nvPicPr>
+          <p:cNvPr id="17" name="2sec" descr="A clear plastic bag with a blue sky in the background&#10;&#10;Description automatically generated">
+            <a:extLst>
+              <a:ext uri="{FF2B5EF4-FFF2-40B4-BE49-F238E27FC236}">
+                <a16:creationId xmlns:a16="http://schemas.microsoft.com/office/drawing/2014/main" id="{600069DA-240A-3311-7C66-E9A54010EC72}"/>
+              </a:ext>
+            </a:extLst>
+          </p:cNvPr>
+          <p:cNvPicPr>
+            <a:picLocks noChangeAspect="1"/>
+          </p:cNvPicPr>
+          <p:nvPr/>
+        </p:nvPicPr>
+        <p:blipFill>
+          <a:blip r:embed="rId3">
+            <a:alphaModFix amt="70000"/>
+            <a:extLst>
+              <a:ext uri="{BEBA8EAE-BF5A-486C-A8C5-ECC9F3942E4B}">
+                <a14:imgProps xmlns:a14="http://schemas.microsoft.com/office/drawing/2010/main">
+                  <a14:imgLayer r:embed="rId4">
+                    <a14:imgEffect>
+                      <a14:artisticMarker/>
+                    </a14:imgEffect>
+                  </a14:imgLayer>
+                </a14:imgProps>
+              </a:ext>
+              <a:ext uri="{28A0092B-C50C-407E-A947-70E740481C1C}">
+                <a14:useLocalDpi xmlns:a14="http://schemas.microsoft.com/office/drawing/2010/main" val="0"/>
+              </a:ext>
+            </a:extLst>
+          </a:blip>
+          <a:srcRect l="14673" r="17253" b="6512"/>
+          <a:stretch/>
+        </p:blipFill>
+        <p:spPr>
+          <a:xfrm>
+            <a:off x="0" y="173039"/>
+            <a:ext cx="136913" cy="252927"/>
+          </a:xfrm>
+          <a:prstGeom prst="rect">
+            <a:avLst/>
+          </a:prstGeom>
+        </p:spPr>
+      </p:pic>
+    </p:spTree>
+    <p:extLst>
+      <p:ext uri="{BB962C8B-B14F-4D97-AF65-F5344CB8AC3E}">
+        <p14:creationId xmlns:p14="http://schemas.microsoft.com/office/powerpoint/2010/main" val="1165135298"/>
       </p:ext>
     </p:extLst>
   </p:cSld>
